--- a/slides/Presentation2.pptx
+++ b/slides/Presentation2.pptx
@@ -6837,8 +6837,8 @@
           </a:p>
         </p:txBody>
       </p:sp>
-      <mc:AlternateContent xmlns:mc="http://schemas.openxmlformats.org/markup-compatibility/2006">
-        <mc:Choice xmlns:a14="http://schemas.microsoft.com/office/drawing/2010/main" Requires="a14">
+      <mc:AlternateContent xmlns:mc="http://schemas.openxmlformats.org/markup-compatibility/2006" xmlns:a14="http://schemas.microsoft.com/office/drawing/2010/main">
+        <mc:Choice Requires="a14">
           <p:sp>
             <p:nvSpPr>
               <p:cNvPr id="6" name="TextBox 5"/>
@@ -6964,7 +6964,7 @@
             </p:txBody>
           </p:sp>
         </mc:Choice>
-        <mc:Fallback>
+        <mc:Fallback xmlns="">
           <p:sp>
             <p:nvSpPr>
               <p:cNvPr id="6" name="TextBox 5"/>
@@ -7064,8 +7064,8 @@
           </a:p>
         </p:txBody>
       </p:sp>
-      <mc:AlternateContent xmlns:mc="http://schemas.openxmlformats.org/markup-compatibility/2006">
-        <mc:Choice xmlns:a14="http://schemas.microsoft.com/office/drawing/2010/main" Requires="a14">
+      <mc:AlternateContent xmlns:mc="http://schemas.openxmlformats.org/markup-compatibility/2006" xmlns:a14="http://schemas.microsoft.com/office/drawing/2010/main">
+        <mc:Choice Requires="a14">
           <p:sp>
             <p:nvSpPr>
               <p:cNvPr id="3" name="Content Placeholder 2"/>
@@ -7421,7 +7421,7 @@
             </p:txBody>
           </p:sp>
         </mc:Choice>
-        <mc:Fallback>
+        <mc:Fallback xmlns="">
           <p:sp>
             <p:nvSpPr>
               <p:cNvPr id="3" name="Content Placeholder 2"/>
@@ -8247,11 +8247,7 @@
             </a:r>
             <a:r>
               <a:rPr lang="en-US" dirty="0" smtClean="0"/>
-              <a:t> C </a:t>
-            </a:r>
-            <a:r>
-              <a:rPr lang="en-US" dirty="0" smtClean="0"/>
-              <a:t>matrix computation</a:t>
+              <a:t> C matrix computation</a:t>
             </a:r>
             <a:endParaRPr lang="en-US" dirty="0"/>
           </a:p>
@@ -8281,13 +8277,8 @@
           <a:p>
             <a:r>
               <a:rPr lang="en-US" dirty="0" smtClean="0"/>
-              <a:t>Matrix computation occurs </a:t>
-            </a:r>
-            <a:r>
-              <a:rPr lang="en-US" dirty="0" smtClean="0"/>
-              <a:t>diagonal-wise or row-wise</a:t>
-            </a:r>
-            <a:endParaRPr lang="en-US" dirty="0" smtClean="0"/>
+              <a:t>Matrix computation occurs diagonal-wise or row-wise</a:t>
+            </a:r>
           </a:p>
           <a:p>
             <a:r>
@@ -8298,13 +8289,8 @@
           <a:p>
             <a:r>
               <a:rPr lang="en-US" dirty="0" smtClean="0"/>
-              <a:t>We can assign a process to each diagonal </a:t>
-            </a:r>
-            <a:r>
-              <a:rPr lang="en-US" dirty="0" smtClean="0"/>
-              <a:t>or to each row</a:t>
-            </a:r>
-            <a:endParaRPr lang="en-US" dirty="0" smtClean="0"/>
+              <a:t>We can assign a process to each diagonal or to each row</a:t>
+            </a:r>
           </a:p>
           <a:p>
             <a:r>
@@ -8478,8 +8464,8 @@
           </a:p>
         </p:txBody>
       </p:sp>
-      <mc:AlternateContent xmlns:mc="http://schemas.openxmlformats.org/markup-compatibility/2006">
-        <mc:Choice xmlns:a14="http://schemas.microsoft.com/office/drawing/2010/main" Requires="a14">
+      <mc:AlternateContent xmlns:mc="http://schemas.openxmlformats.org/markup-compatibility/2006" xmlns:a14="http://schemas.microsoft.com/office/drawing/2010/main">
+        <mc:Choice Requires="a14">
           <p:sp>
             <p:nvSpPr>
               <p:cNvPr id="3" name="Content Placeholder 2"/>
@@ -8702,7 +8688,7 @@
             </p:txBody>
           </p:sp>
         </mc:Choice>
-        <mc:Fallback>
+        <mc:Fallback xmlns="">
           <p:sp>
             <p:nvSpPr>
               <p:cNvPr id="3" name="Content Placeholder 2"/>
@@ -9513,7 +9499,7 @@
         <p:spPr/>
         <p:txBody>
           <a:bodyPr>
-            <a:normAutofit lnSpcReduction="10000"/>
+            <a:normAutofit/>
           </a:bodyPr>
           <a:lstStyle/>
           <a:p>
@@ -9656,8 +9642,9 @@
             </a:r>
             <a:r>
               <a:rPr lang="en-US" dirty="0" smtClean="0"/>
-              <a:t>sequential</a:t>
-            </a:r>
+              <a:t>sequential algorithms</a:t>
+            </a:r>
+            <a:endParaRPr lang="en-US" dirty="0" smtClean="0"/>
           </a:p>
           <a:p>
             <a:pPr marL="800100" lvl="1" indent="-342900" defTabSz="914400">
@@ -9716,62 +9703,12 @@
             </a:pPr>
             <a:r>
               <a:rPr lang="en-US" dirty="0" smtClean="0"/>
-              <a:t>Future Milestone</a:t>
-            </a:r>
-          </a:p>
-          <a:p>
-            <a:pPr marL="800100" lvl="1" indent="-342900" defTabSz="914400">
-              <a:spcAft>
-                <a:spcPts val="0"/>
-              </a:spcAft>
-              <a:buClrTx/>
-              <a:buSzTx/>
-              <a:buFont typeface="+mj-lt"/>
-              <a:buAutoNum type="arabicPeriod"/>
-            </a:pPr>
-            <a:r>
-              <a:rPr lang="en-US" dirty="0" err="1" smtClean="0"/>
-              <a:t>OpenMP</a:t>
+              <a:t>Future </a:t>
             </a:r>
             <a:r>
               <a:rPr lang="en-US" dirty="0" smtClean="0"/>
-              <a:t> Implementation</a:t>
-            </a:r>
-          </a:p>
-          <a:p>
-            <a:pPr marL="800100" lvl="1" indent="-342900" defTabSz="914400">
-              <a:spcAft>
-                <a:spcPts val="0"/>
-              </a:spcAft>
-              <a:buClrTx/>
-              <a:buSzTx/>
-              <a:buFont typeface="+mj-lt"/>
-              <a:buAutoNum type="arabicPeriod"/>
-            </a:pPr>
-            <a:r>
-              <a:rPr lang="en-US" dirty="0" smtClean="0"/>
-              <a:t>Try to </a:t>
-            </a:r>
-            <a:r>
-              <a:rPr lang="en-US" dirty="0" err="1" smtClean="0"/>
-              <a:t>paralelize</a:t>
-            </a:r>
-            <a:r>
-              <a:rPr lang="en-US" dirty="0" smtClean="0"/>
-              <a:t> efficient</a:t>
-            </a:r>
-            <a:endParaRPr lang="en-US" dirty="0" smtClean="0"/>
-          </a:p>
-          <a:p>
-            <a:pPr marL="800100" lvl="1" indent="-342900" defTabSz="914400">
-              <a:spcAft>
-                <a:spcPts val="0"/>
-              </a:spcAft>
-              <a:buClrTx/>
-              <a:buSzTx/>
-              <a:buFont typeface="+mj-lt"/>
-              <a:buAutoNum type="arabicPeriod"/>
-            </a:pPr>
+              <a:t>Milestone</a:t>
+            </a:r>
             <a:endParaRPr lang="en-US" dirty="0" smtClean="0"/>
           </a:p>
           <a:p>
@@ -10449,8 +10386,8 @@
           </a:p>
         </p:txBody>
       </p:sp>
-      <mc:AlternateContent xmlns:mc="http://schemas.openxmlformats.org/markup-compatibility/2006">
-        <mc:Choice xmlns:a14="http://schemas.microsoft.com/office/drawing/2010/main" Requires="a14">
+      <mc:AlternateContent xmlns:mc="http://schemas.openxmlformats.org/markup-compatibility/2006" xmlns:a14="http://schemas.microsoft.com/office/drawing/2010/main">
+        <mc:Choice Requires="a14">
           <p:sp>
             <p:nvSpPr>
               <p:cNvPr id="3" name="Content Placeholder 2"/>
@@ -10672,7 +10609,7 @@
             </p:txBody>
           </p:sp>
         </mc:Choice>
-        <mc:Fallback>
+        <mc:Fallback xmlns="">
           <p:sp>
             <p:nvSpPr>
               <p:cNvPr id="3" name="Content Placeholder 2"/>
@@ -11067,8 +11004,8 @@
           </a:prstGeom>
         </p:spPr>
       </p:pic>
-      <mc:AlternateContent xmlns:mc="http://schemas.openxmlformats.org/markup-compatibility/2006">
-        <mc:Choice xmlns:a14="http://schemas.microsoft.com/office/drawing/2010/main" Requires="a14">
+      <mc:AlternateContent xmlns:mc="http://schemas.openxmlformats.org/markup-compatibility/2006" xmlns:a14="http://schemas.microsoft.com/office/drawing/2010/main">
+        <mc:Choice Requires="a14">
           <p:sp>
             <p:nvSpPr>
               <p:cNvPr id="8" name="Content Placeholder 2"/>
@@ -11372,7 +11309,6 @@
                   <a:rPr lang="en-US" dirty="0" smtClean="0"/>
                   <a:t>Needs k+1 threads to be optimal</a:t>
                 </a:r>
-                <a:endParaRPr lang="en-US" dirty="0" smtClean="0"/>
               </a:p>
               <a:p>
                 <a:r>
@@ -11509,7 +11445,7 @@
             </p:txBody>
           </p:sp>
         </mc:Choice>
-        <mc:Fallback>
+        <mc:Fallback xmlns="">
           <p:sp>
             <p:nvSpPr>
               <p:cNvPr id="8" name="Content Placeholder 2"/>
@@ -11763,8 +11699,13 @@
             </a:r>
             <a:r>
               <a:rPr lang="en-US" dirty="0" smtClean="0"/>
-              <a:t> and compare with current</a:t>
-            </a:r>
+              <a:t> and compare with </a:t>
+            </a:r>
+            <a:r>
+              <a:rPr lang="en-US" smtClean="0"/>
+              <a:t>current version</a:t>
+            </a:r>
+            <a:endParaRPr lang="en-US" dirty="0" smtClean="0"/>
           </a:p>
           <a:p>
             <a:pPr marL="285750" lvl="1"/>
@@ -11976,7 +11917,6 @@
               <a:rPr lang="en-US" dirty="0"/>
               <a:t>Vol. 19, No. 6, pp. 989-999, December 1990 </a:t>
             </a:r>
-            <a:endParaRPr lang="en-US" dirty="0"/>
           </a:p>
           <a:p>
             <a:endParaRPr lang="en-US" dirty="0"/>
@@ -12123,11 +12063,7 @@
             <a:pPr lvl="1"/>
             <a:r>
               <a:rPr lang="en-US" dirty="0" smtClean="0"/>
-              <a:t>Input </a:t>
-            </a:r>
-            <a:r>
-              <a:rPr lang="en-US" dirty="0" smtClean="0"/>
-              <a:t>Parameters (</a:t>
+              <a:t>Input Parameters (</a:t>
             </a:r>
             <a:r>
               <a:rPr lang="en-US" dirty="0" err="1" smtClean="0"/>
@@ -12137,17 +12073,12 @@
               <a:rPr lang="en-US" dirty="0" smtClean="0"/>
               <a:t>) : </a:t>
             </a:r>
-            <a:endParaRPr lang="en-US" dirty="0" smtClean="0"/>
           </a:p>
           <a:p>
             <a:pPr lvl="2"/>
             <a:r>
               <a:rPr lang="en-US" i="1" dirty="0" smtClean="0"/>
-              <a:t>x: </a:t>
-            </a:r>
-            <a:r>
-              <a:rPr lang="en-US" i="1" dirty="0" smtClean="0"/>
-              <a:t>text </a:t>
+              <a:t>x: text </a:t>
             </a:r>
             <a:r>
               <a:rPr lang="en-US" dirty="0" smtClean="0"/>
@@ -12158,11 +12089,7 @@
             <a:pPr lvl="2"/>
             <a:r>
               <a:rPr lang="en-US" dirty="0" smtClean="0"/>
-              <a:t>y: </a:t>
-            </a:r>
-            <a:r>
-              <a:rPr lang="en-US" dirty="0" smtClean="0"/>
-              <a:t>Pattern</a:t>
+              <a:t>y: Pattern</a:t>
             </a:r>
             <a:r>
               <a:rPr lang="en-US" i="1" dirty="0" smtClean="0"/>
@@ -12591,11 +12518,7 @@
             </a:r>
             <a:r>
               <a:rPr lang="en-US" dirty="0" smtClean="0"/>
-              <a:t>) Algorithm</a:t>
-            </a:r>
-            <a:r>
-              <a:rPr lang="en-US" dirty="0" smtClean="0"/>
-              <a:t>:</a:t>
+              <a:t>) Algorithm:</a:t>
             </a:r>
             <a:r>
               <a:rPr lang="en-US" dirty="0"/>
@@ -12625,7 +12548,6 @@
               <a:rPr lang="en-US" dirty="0" smtClean="0"/>
               <a:t>Easily parallelizable </a:t>
             </a:r>
-            <a:endParaRPr lang="en-US" dirty="0" smtClean="0"/>
           </a:p>
           <a:p>
             <a:pPr marL="400050" indent="-400050">
@@ -12829,11 +12751,7 @@
           <a:p>
             <a:r>
               <a:rPr lang="en-US" dirty="0" smtClean="0"/>
-              <a:t>3. </a:t>
-            </a:r>
-            <a:r>
-              <a:rPr lang="en-US" dirty="0" smtClean="0"/>
-              <a:t>What we’ve done so far</a:t>
+              <a:t>3. What we’ve done so far</a:t>
             </a:r>
             <a:endParaRPr lang="en-US" dirty="0"/>
           </a:p>
@@ -12945,7 +12863,6 @@
               <a:rPr lang="en-US" dirty="0" smtClean="0"/>
               <a:t>multi-threads</a:t>
             </a:r>
-            <a:endParaRPr lang="en-US" dirty="0" smtClean="0"/>
           </a:p>
         </p:txBody>
       </p:sp>
@@ -13094,8 +13011,8 @@
           </a:p>
         </p:txBody>
       </p:sp>
-      <mc:AlternateContent xmlns:mc="http://schemas.openxmlformats.org/markup-compatibility/2006">
-        <mc:Choice xmlns:a14="http://schemas.microsoft.com/office/drawing/2010/main" Requires="a14">
+      <mc:AlternateContent xmlns:mc="http://schemas.openxmlformats.org/markup-compatibility/2006" xmlns:a14="http://schemas.microsoft.com/office/drawing/2010/main">
+        <mc:Choice Requires="a14">
           <p:sp>
             <p:nvSpPr>
               <p:cNvPr id="7" name="TextBox 6"/>
@@ -13387,7 +13304,7 @@
             </p:txBody>
           </p:sp>
         </mc:Choice>
-        <mc:Fallback>
+        <mc:Fallback xmlns="">
           <p:sp>
             <p:nvSpPr>
               <p:cNvPr id="7" name="TextBox 6"/>
@@ -13949,8 +13866,8 @@
           </a:p>
         </p:txBody>
       </p:sp>
-      <mc:AlternateContent xmlns:mc="http://schemas.openxmlformats.org/markup-compatibility/2006">
-        <mc:Choice xmlns:a14="http://schemas.microsoft.com/office/drawing/2010/main" Requires="a14">
+      <mc:AlternateContent xmlns:mc="http://schemas.openxmlformats.org/markup-compatibility/2006" xmlns:a14="http://schemas.microsoft.com/office/drawing/2010/main">
+        <mc:Choice Requires="a14">
           <p:sp>
             <p:nvSpPr>
               <p:cNvPr id="7" name="TextBox 6"/>
@@ -14097,7 +14014,7 @@
             </p:txBody>
           </p:sp>
         </mc:Choice>
-        <mc:Fallback>
+        <mc:Fallback xmlns="">
           <p:sp>
             <p:nvSpPr>
               <p:cNvPr id="7" name="TextBox 6"/>

--- a/slides/Presentation2.pptx
+++ b/slides/Presentation2.pptx
@@ -788,6 +788,303 @@
 </file>
 
 <file path=ppt/notesSlides/notesSlide2.xml><?xml version="1.0" encoding="utf-8"?>
+<p:notes xmlns:a="http://schemas.openxmlformats.org/drawingml/2006/main" xmlns:r="http://schemas.openxmlformats.org/officeDocument/2006/relationships" xmlns:p="http://schemas.openxmlformats.org/presentationml/2006/main">
+  <p:cSld>
+    <p:spTree>
+      <p:nvGrpSpPr>
+        <p:cNvPr id="1" name=""/>
+        <p:cNvGrpSpPr/>
+        <p:nvPr/>
+      </p:nvGrpSpPr>
+      <p:grpSpPr>
+        <a:xfrm>
+          <a:off x="0" y="0"/>
+          <a:ext cx="0" cy="0"/>
+          <a:chOff x="0" y="0"/>
+          <a:chExt cx="0" cy="0"/>
+        </a:xfrm>
+      </p:grpSpPr>
+      <p:sp>
+        <p:nvSpPr>
+          <p:cNvPr id="2" name="Slide Image Placeholder 1"/>
+          <p:cNvSpPr>
+            <a:spLocks noGrp="1" noRot="1" noChangeAspect="1"/>
+          </p:cNvSpPr>
+          <p:nvPr>
+            <p:ph type="sldImg"/>
+          </p:nvPr>
+        </p:nvSpPr>
+        <p:spPr/>
+      </p:sp>
+      <p:sp>
+        <p:nvSpPr>
+          <p:cNvPr id="3" name="Notes Placeholder 2"/>
+          <p:cNvSpPr>
+            <a:spLocks noGrp="1"/>
+          </p:cNvSpPr>
+          <p:nvPr>
+            <p:ph type="body" idx="1"/>
+          </p:nvPr>
+        </p:nvSpPr>
+        <p:spPr/>
+        <p:txBody>
+          <a:bodyPr/>
+          <a:lstStyle/>
+          <a:p>
+            <a:r>
+              <a:rPr lang="en-US" dirty="0" smtClean="0"/>
+              <a:t>In summary, there are 4 types of sequential algorithms: </a:t>
+            </a:r>
+          </a:p>
+          <a:p>
+            <a:r>
+              <a:rPr lang="en-US" dirty="0" smtClean="0"/>
+              <a:t>1. DYNAMIC PROGRAMMING ALGORITHMS 2. ALGORITHMS BASED ON AUTOMATA 3. BIT-PARALLELISM</a:t>
+            </a:r>
+            <a:r>
+              <a:rPr lang="en-US" baseline="0" dirty="0" smtClean="0"/>
+              <a:t> 4</a:t>
+            </a:r>
+            <a:r>
+              <a:rPr lang="en-US" dirty="0" smtClean="0"/>
+              <a:t>. FILTERING ALGORITHMS</a:t>
+            </a:r>
+          </a:p>
+          <a:p>
+            <a:pPr marL="0" indent="0">
+              <a:buNone/>
+            </a:pPr>
+            <a:r>
+              <a:rPr lang="en-US" dirty="0" smtClean="0"/>
+              <a:t>Here, we focus on the classical dynamic programming algorithms</a:t>
+            </a:r>
+            <a:r>
+              <a:rPr lang="en-US" baseline="0" dirty="0" smtClean="0"/>
+              <a:t> and give a figure indicating the </a:t>
+            </a:r>
+            <a:r>
+              <a:rPr lang="en-US" sz="1200" kern="1200" baseline="0" dirty="0" smtClean="0">
+                <a:solidFill>
+                  <a:schemeClr val="tx1"/>
+                </a:solidFill>
+                <a:latin typeface="+mn-lt"/>
+                <a:ea typeface="+mn-ea"/>
+                <a:cs typeface="+mn-cs"/>
+              </a:rPr>
+              <a:t>e</a:t>
+            </a:r>
+            <a:r>
+              <a:rPr lang="en-US" sz="1200" kern="1200" dirty="0" smtClean="0">
+                <a:solidFill>
+                  <a:schemeClr val="tx1"/>
+                </a:solidFill>
+                <a:latin typeface="+mn-lt"/>
+                <a:ea typeface="+mn-ea"/>
+                <a:cs typeface="+mn-cs"/>
+              </a:rPr>
+              <a:t>volution of this type of algorithms.</a:t>
+            </a:r>
+          </a:p>
+          <a:p>
+            <a:pPr marL="0" indent="0">
+              <a:buNone/>
+            </a:pPr>
+            <a:r>
+              <a:rPr lang="en-US" sz="1200" kern="1200" dirty="0" smtClean="0">
+                <a:solidFill>
+                  <a:schemeClr val="tx1"/>
+                </a:solidFill>
+                <a:latin typeface="+mn-lt"/>
+                <a:ea typeface="+mn-ea"/>
+                <a:cs typeface="+mn-cs"/>
+              </a:rPr>
+              <a:t>And for</a:t>
+            </a:r>
+            <a:r>
+              <a:rPr lang="en-US" sz="1200" kern="1200" baseline="0" dirty="0" smtClean="0">
+                <a:solidFill>
+                  <a:schemeClr val="tx1"/>
+                </a:solidFill>
+                <a:latin typeface="+mn-lt"/>
+                <a:ea typeface="+mn-ea"/>
+                <a:cs typeface="+mn-cs"/>
+              </a:rPr>
+              <a:t> sequential version, </a:t>
+            </a:r>
+            <a:r>
+              <a:rPr lang="en-US" sz="1200" kern="1200" dirty="0" smtClean="0">
+                <a:solidFill>
+                  <a:schemeClr val="tx1"/>
+                </a:solidFill>
+                <a:latin typeface="+mn-lt"/>
+                <a:ea typeface="+mn-ea"/>
+                <a:cs typeface="+mn-cs"/>
+              </a:rPr>
+              <a:t>we have</a:t>
+            </a:r>
+            <a:r>
+              <a:rPr lang="en-US" sz="1200" kern="1200" baseline="0" dirty="0" smtClean="0">
+                <a:solidFill>
+                  <a:schemeClr val="tx1"/>
+                </a:solidFill>
+                <a:latin typeface="+mn-lt"/>
+                <a:ea typeface="+mn-ea"/>
+                <a:cs typeface="+mn-cs"/>
+              </a:rPr>
+              <a:t> implemented two algorithms of O(</a:t>
+            </a:r>
+            <a:r>
+              <a:rPr lang="en-US" sz="1200" kern="1200" baseline="0" dirty="0" err="1" smtClean="0">
+                <a:solidFill>
+                  <a:schemeClr val="tx1"/>
+                </a:solidFill>
+                <a:latin typeface="+mn-lt"/>
+                <a:ea typeface="+mn-ea"/>
+                <a:cs typeface="+mn-cs"/>
+              </a:rPr>
+              <a:t>mn</a:t>
+            </a:r>
+            <a:r>
+              <a:rPr lang="en-US" sz="1200" kern="1200" baseline="0" dirty="0" smtClean="0">
+                <a:solidFill>
+                  <a:schemeClr val="tx1"/>
+                </a:solidFill>
+                <a:latin typeface="+mn-lt"/>
+                <a:ea typeface="+mn-ea"/>
+                <a:cs typeface="+mn-cs"/>
+              </a:rPr>
+              <a:t>) and </a:t>
+            </a:r>
+            <a:r>
+              <a:rPr lang="en-US" altLang="zh-CN" sz="1200" kern="1200" baseline="0" dirty="0" smtClean="0">
+                <a:solidFill>
+                  <a:schemeClr val="tx1"/>
+                </a:solidFill>
+                <a:latin typeface="+mn-lt"/>
+                <a:ea typeface="+mn-ea"/>
+                <a:cs typeface="+mn-cs"/>
+              </a:rPr>
+              <a:t>one</a:t>
+            </a:r>
+            <a:r>
+              <a:rPr lang="zh-CN" altLang="en-US" sz="1200" kern="1200" baseline="0" dirty="0" smtClean="0">
+                <a:solidFill>
+                  <a:schemeClr val="tx1"/>
+                </a:solidFill>
+                <a:latin typeface="+mn-lt"/>
+                <a:ea typeface="+mn-ea"/>
+                <a:cs typeface="+mn-cs"/>
+              </a:rPr>
+              <a:t> </a:t>
+            </a:r>
+            <a:r>
+              <a:rPr lang="en-US" sz="1200" kern="1200" baseline="0" dirty="0" smtClean="0">
+                <a:solidFill>
+                  <a:schemeClr val="tx1"/>
+                </a:solidFill>
+                <a:latin typeface="+mn-lt"/>
+                <a:ea typeface="+mn-ea"/>
+                <a:cs typeface="+mn-cs"/>
+              </a:rPr>
+              <a:t>algorithm of O(</a:t>
+            </a:r>
+            <a:r>
+              <a:rPr lang="en-US" sz="1200" kern="1200" baseline="0" dirty="0" err="1" smtClean="0">
+                <a:solidFill>
+                  <a:schemeClr val="tx1"/>
+                </a:solidFill>
+                <a:latin typeface="+mn-lt"/>
+                <a:ea typeface="+mn-ea"/>
+                <a:cs typeface="+mn-cs"/>
+              </a:rPr>
+              <a:t>kn</a:t>
+            </a:r>
+            <a:r>
+              <a:rPr lang="en-US" sz="1200" kern="1200" baseline="0" dirty="0" smtClean="0">
+                <a:solidFill>
+                  <a:schemeClr val="tx1"/>
+                </a:solidFill>
+                <a:latin typeface="+mn-lt"/>
+                <a:ea typeface="+mn-ea"/>
+                <a:cs typeface="+mn-cs"/>
+              </a:rPr>
+              <a:t>).</a:t>
+            </a:r>
+            <a:endParaRPr lang="en-US" dirty="0" smtClean="0"/>
+          </a:p>
+          <a:p>
+            <a:pPr marL="0" marR="0" indent="0" algn="l" defTabSz="914400" rtl="0" eaLnBrk="1" fontAlgn="auto" latinLnBrk="0" hangingPunct="1">
+              <a:lnSpc>
+                <a:spcPct val="100000"/>
+              </a:lnSpc>
+              <a:spcBef>
+                <a:spcPts val="0"/>
+              </a:spcBef>
+              <a:spcAft>
+                <a:spcPts val="0"/>
+              </a:spcAft>
+              <a:buClrTx/>
+              <a:buSzTx/>
+              <a:buFontTx/>
+              <a:buNone/>
+              <a:tabLst/>
+              <a:defRPr/>
+            </a:pPr>
+            <a:r>
+              <a:rPr lang="en-US" smtClean="0"/>
+              <a:t>(from</a:t>
+            </a:r>
+            <a:r>
+              <a:rPr lang="en-US" baseline="0" smtClean="0"/>
+              <a:t> </a:t>
+            </a:r>
+            <a:r>
+              <a:rPr lang="en-US" smtClean="0"/>
+              <a:t>paper "A Guided Tour to Approximate String Matching”)</a:t>
+            </a:r>
+          </a:p>
+          <a:p>
+            <a:endParaRPr lang="en-US"/>
+          </a:p>
+        </p:txBody>
+      </p:sp>
+      <p:sp>
+        <p:nvSpPr>
+          <p:cNvPr id="4" name="Slide Number Placeholder 3"/>
+          <p:cNvSpPr>
+            <a:spLocks noGrp="1"/>
+          </p:cNvSpPr>
+          <p:nvPr>
+            <p:ph type="sldNum" sz="quarter" idx="10"/>
+          </p:nvPr>
+        </p:nvSpPr>
+        <p:spPr/>
+        <p:txBody>
+          <a:bodyPr/>
+          <a:lstStyle/>
+          <a:p>
+            <a:fld id="{6C7E019F-826E-DC48-9D1C-9E4F71C2B0CB}" type="slidenum">
+              <a:rPr lang="en-US" smtClean="0"/>
+              <a:t>5</a:t>
+            </a:fld>
+            <a:endParaRPr lang="en-US"/>
+          </a:p>
+        </p:txBody>
+      </p:sp>
+    </p:spTree>
+    <p:extLst>
+      <p:ext uri="{BB962C8B-B14F-4D97-AF65-F5344CB8AC3E}">
+        <p14:creationId xmlns:p14="http://schemas.microsoft.com/office/powerpoint/2010/main" val="1660536621"/>
+      </p:ext>
+    </p:extLst>
+  </p:cSld>
+  <p:clrMapOvr>
+    <a:masterClrMapping/>
+  </p:clrMapOvr>
+</p:notes>
+</file>
+
+<file path=ppt/notesSlides/notesSlide3.xml><?xml version="1.0" encoding="utf-8"?>
 <p:notes xmlns:a="http://schemas.openxmlformats.org/drawingml/2006/main" xmlns:r="http://schemas.openxmlformats.org/officeDocument/2006/relationships" xmlns:p="http://schemas.openxmlformats.org/presentationml/2006/main">
   <p:cSld>
     <p:spTree>
@@ -11702,7 +11999,7 @@
               <a:t> and compare with </a:t>
             </a:r>
             <a:r>
-              <a:rPr lang="en-US" smtClean="0"/>
+              <a:rPr lang="en-US" dirty="0" smtClean="0"/>
               <a:t>current version</a:t>
             </a:r>
             <a:endParaRPr lang="en-US" dirty="0" smtClean="0"/>
@@ -12410,7 +12707,7 @@
           </p:nvPr>
         </p:nvPicPr>
         <p:blipFill>
-          <a:blip r:embed="rId2">
+          <a:blip r:embed="rId3">
             <a:extLst>
               <a:ext uri="{28A0092B-C50C-407E-A947-70E740481C1C}">
                 <a14:useLocalDpi xmlns:a14="http://schemas.microsoft.com/office/drawing/2010/main" val="0"/>

--- a/slides/Presentation2.pptx
+++ b/slides/Presentation2.pptx
@@ -1031,20 +1031,20 @@
               <a:defRPr/>
             </a:pPr>
             <a:r>
-              <a:rPr lang="en-US" smtClean="0"/>
+              <a:rPr lang="en-US" dirty="0" smtClean="0"/>
               <a:t>(from</a:t>
             </a:r>
             <a:r>
-              <a:rPr lang="en-US" baseline="0" smtClean="0"/>
+              <a:rPr lang="en-US" baseline="0" dirty="0" smtClean="0"/>
               <a:t> </a:t>
             </a:r>
             <a:r>
-              <a:rPr lang="en-US" smtClean="0"/>
+              <a:rPr lang="en-US" dirty="0" smtClean="0"/>
               <a:t>paper "A Guided Tour to Approximate String Matching”)</a:t>
             </a:r>
           </a:p>
           <a:p>
-            <a:endParaRPr lang="en-US"/>
+            <a:endParaRPr lang="en-US" dirty="0"/>
           </a:p>
         </p:txBody>
       </p:sp>
@@ -9226,8 +9226,16 @@
           <a:lstStyle/>
           <a:p>
             <a:r>
+              <a:rPr lang="en-US"/>
+              <a:t>We </a:t>
+            </a:r>
+            <a:r>
+              <a:rPr lang="en-US" smtClean="0"/>
+              <a:t>tested three </a:t>
+            </a:r>
+            <a:r>
               <a:rPr lang="en-US" dirty="0"/>
-              <a:t>We test three different sequential algorithms.</a:t>
+              <a:t>different sequential algorithms.</a:t>
             </a:r>
           </a:p>
           <a:p>

--- a/slides/Presentation2.pptx
+++ b/slides/Presentation2.pptx
@@ -5,7 +5,7 @@
     <p:sldMasterId id="2147483648" r:id="rId1"/>
   </p:sldMasterIdLst>
   <p:notesMasterIdLst>
-    <p:notesMasterId r:id="rId28"/>
+    <p:notesMasterId r:id="rId29"/>
   </p:notesMasterIdLst>
   <p:sldIdLst>
     <p:sldId id="256" r:id="rId2"/>
@@ -13,27 +13,28 @@
     <p:sldId id="258" r:id="rId4"/>
     <p:sldId id="280" r:id="rId5"/>
     <p:sldId id="268" r:id="rId6"/>
-    <p:sldId id="259" r:id="rId7"/>
-    <p:sldId id="260" r:id="rId8"/>
-    <p:sldId id="269" r:id="rId9"/>
-    <p:sldId id="270" r:id="rId10"/>
-    <p:sldId id="271" r:id="rId11"/>
-    <p:sldId id="272" r:id="rId12"/>
-    <p:sldId id="263" r:id="rId13"/>
-    <p:sldId id="266" r:id="rId14"/>
-    <p:sldId id="273" r:id="rId15"/>
-    <p:sldId id="281" r:id="rId16"/>
-    <p:sldId id="282" r:id="rId17"/>
-    <p:sldId id="274" r:id="rId18"/>
-    <p:sldId id="284" r:id="rId19"/>
-    <p:sldId id="285" r:id="rId20"/>
-    <p:sldId id="286" r:id="rId21"/>
-    <p:sldId id="275" r:id="rId22"/>
-    <p:sldId id="276" r:id="rId23"/>
-    <p:sldId id="277" r:id="rId24"/>
-    <p:sldId id="278" r:id="rId25"/>
-    <p:sldId id="279" r:id="rId26"/>
-    <p:sldId id="267" r:id="rId27"/>
+    <p:sldId id="287" r:id="rId7"/>
+    <p:sldId id="259" r:id="rId8"/>
+    <p:sldId id="260" r:id="rId9"/>
+    <p:sldId id="269" r:id="rId10"/>
+    <p:sldId id="270" r:id="rId11"/>
+    <p:sldId id="271" r:id="rId12"/>
+    <p:sldId id="272" r:id="rId13"/>
+    <p:sldId id="263" r:id="rId14"/>
+    <p:sldId id="266" r:id="rId15"/>
+    <p:sldId id="273" r:id="rId16"/>
+    <p:sldId id="281" r:id="rId17"/>
+    <p:sldId id="282" r:id="rId18"/>
+    <p:sldId id="274" r:id="rId19"/>
+    <p:sldId id="284" r:id="rId20"/>
+    <p:sldId id="285" r:id="rId21"/>
+    <p:sldId id="286" r:id="rId22"/>
+    <p:sldId id="275" r:id="rId23"/>
+    <p:sldId id="276" r:id="rId24"/>
+    <p:sldId id="277" r:id="rId25"/>
+    <p:sldId id="278" r:id="rId26"/>
+    <p:sldId id="279" r:id="rId27"/>
+    <p:sldId id="267" r:id="rId28"/>
   </p:sldIdLst>
   <p:sldSz cx="12192000" cy="6858000"/>
   <p:notesSz cx="6858000" cy="9144000"/>
@@ -1247,7 +1248,7 @@
           <a:p>
             <a:fld id="{6C7E019F-826E-DC48-9D1C-9E4F71C2B0CB}" type="slidenum">
               <a:rPr lang="en-US" smtClean="0"/>
-              <a:t>22</a:t>
+              <a:t>23</a:t>
             </a:fld>
             <a:endParaRPr lang="en-US"/>
           </a:p>
@@ -7067,6 +7068,600 @@
           <a:p>
             <a:r>
               <a:rPr lang="en-US" dirty="0" smtClean="0"/>
+              <a:t>(</a:t>
+            </a:r>
+            <a:r>
+              <a:rPr lang="en-US" dirty="0" err="1" smtClean="0"/>
+              <a:t>i</a:t>
+            </a:r>
+            <a:r>
+              <a:rPr lang="en-US" dirty="0" smtClean="0"/>
+              <a:t>) O(MN) Algorithm: D matrix</a:t>
+            </a:r>
+            <a:endParaRPr lang="en-US" dirty="0"/>
+          </a:p>
+        </p:txBody>
+      </p:sp>
+      <p:pic>
+        <p:nvPicPr>
+          <p:cNvPr id="6" name="Content Placeholder 5"/>
+          <p:cNvPicPr>
+            <a:picLocks noGrp="1" noChangeAspect="1"/>
+          </p:cNvPicPr>
+          <p:nvPr>
+            <p:ph idx="1"/>
+          </p:nvPr>
+        </p:nvPicPr>
+        <p:blipFill>
+          <a:blip r:embed="rId2">
+            <a:extLst>
+              <a:ext uri="{28A0092B-C50C-407E-A947-70E740481C1C}">
+                <a14:useLocalDpi xmlns:a14="http://schemas.microsoft.com/office/drawing/2010/main" val="0"/>
+              </a:ext>
+            </a:extLst>
+          </a:blip>
+          <a:stretch>
+            <a:fillRect/>
+          </a:stretch>
+        </p:blipFill>
+        <p:spPr>
+          <a:xfrm>
+            <a:off x="4715362" y="2643513"/>
+            <a:ext cx="4767263" cy="2649416"/>
+          </a:xfrm>
+        </p:spPr>
+      </p:pic>
+      <p:sp>
+        <p:nvSpPr>
+          <p:cNvPr id="4" name="Slide Number Placeholder 3"/>
+          <p:cNvSpPr>
+            <a:spLocks noGrp="1"/>
+          </p:cNvSpPr>
+          <p:nvPr>
+            <p:ph type="sldNum" sz="quarter" idx="12"/>
+          </p:nvPr>
+        </p:nvSpPr>
+        <p:spPr/>
+        <p:txBody>
+          <a:bodyPr/>
+          <a:lstStyle/>
+          <a:p>
+            <a:fld id="{D57F1E4F-1CFF-5643-939E-217C01CDF565}" type="slidenum">
+              <a:rPr lang="en-US" smtClean="0"/>
+              <a:pPr/>
+              <a:t>10</a:t>
+            </a:fld>
+            <a:endParaRPr lang="en-US" dirty="0"/>
+          </a:p>
+        </p:txBody>
+      </p:sp>
+      <mc:AlternateContent xmlns:mc="http://schemas.openxmlformats.org/markup-compatibility/2006" xmlns:a14="http://schemas.microsoft.com/office/drawing/2010/main">
+        <mc:Choice Requires="a14">
+          <p:sp>
+            <p:nvSpPr>
+              <p:cNvPr id="7" name="TextBox 6"/>
+              <p:cNvSpPr txBox="1"/>
+              <p:nvPr/>
+            </p:nvSpPr>
+            <p:spPr>
+              <a:xfrm>
+                <a:off x="685801" y="2510443"/>
+                <a:ext cx="3657600" cy="916982"/>
+              </a:xfrm>
+              <a:prstGeom prst="rect">
+                <a:avLst/>
+              </a:prstGeom>
+              <a:noFill/>
+            </p:spPr>
+            <p:txBody>
+              <a:bodyPr wrap="square" rtlCol="0">
+                <a:spAutoFit/>
+              </a:bodyPr>
+              <a:lstStyle/>
+              <a:p>
+                <a:pPr marL="285750" indent="-285750">
+                  <a:buFont typeface="Arial" charset="0"/>
+                  <a:buChar char="•"/>
+                </a:pPr>
+                <a14:m>
+                  <m:oMath xmlns:m="http://schemas.openxmlformats.org/officeDocument/2006/math">
+                    <m:r>
+                      <a:rPr lang="en-US" i="1" smtClean="0">
+                        <a:latin typeface="Cambria Math" charset="0"/>
+                      </a:rPr>
+                      <m:t>∀</m:t>
+                    </m:r>
+                    <m:r>
+                      <a:rPr lang="en-US" b="0" i="1" smtClean="0">
+                        <a:latin typeface="Cambria Math" charset="0"/>
+                      </a:rPr>
+                      <m:t>𝑗</m:t>
+                    </m:r>
+                    <m:r>
+                      <a:rPr lang="en-US" b="0" i="1" smtClean="0">
+                        <a:latin typeface="Cambria Math" charset="0"/>
+                      </a:rPr>
+                      <m:t>:0≤</m:t>
+                    </m:r>
+                    <m:r>
+                      <a:rPr lang="en-US" i="1">
+                        <a:latin typeface="Cambria Math" charset="0"/>
+                      </a:rPr>
+                      <m:t>𝑗</m:t>
+                    </m:r>
+                    <m:r>
+                      <a:rPr lang="en-US" i="1">
+                        <a:latin typeface="Cambria Math" charset="0"/>
+                      </a:rPr>
+                      <m:t>≤</m:t>
+                    </m:r>
+                    <m:r>
+                      <a:rPr lang="en-US" i="1">
+                        <a:latin typeface="Cambria Math" charset="0"/>
+                      </a:rPr>
+                      <m:t>𝑛</m:t>
+                    </m:r>
+                    <m:r>
+                      <a:rPr lang="en-US" b="0" i="1" smtClean="0">
+                        <a:latin typeface="Cambria Math" charset="0"/>
+                      </a:rPr>
+                      <m:t>,  </m:t>
+                    </m:r>
+                    <m:r>
+                      <a:rPr lang="en-US" b="0" i="1" smtClean="0">
+                        <a:latin typeface="Cambria Math" charset="0"/>
+                      </a:rPr>
+                      <m:t>𝑖𝑓</m:t>
+                    </m:r>
+                    <m:r>
+                      <a:rPr lang="en-US" b="0" i="1" smtClean="0">
+                        <a:latin typeface="Cambria Math" charset="0"/>
+                      </a:rPr>
+                      <m:t>(</m:t>
+                    </m:r>
+                    <m:r>
+                      <a:rPr lang="en-US" b="0" i="1" smtClean="0">
+                        <a:latin typeface="Cambria Math" charset="0"/>
+                      </a:rPr>
+                      <m:t>𝐷</m:t>
+                    </m:r>
+                    <m:d>
+                      <m:dPr>
+                        <m:ctrlPr>
+                          <a:rPr lang="en-US" b="0" i="1" smtClean="0">
+                            <a:latin typeface="Cambria Math" charset="0"/>
+                          </a:rPr>
+                        </m:ctrlPr>
+                      </m:dPr>
+                      <m:e>
+                        <m:r>
+                          <a:rPr lang="en-US" b="0" i="1" smtClean="0">
+                            <a:latin typeface="Cambria Math" charset="0"/>
+                          </a:rPr>
+                          <m:t>𝑚</m:t>
+                        </m:r>
+                        <m:r>
+                          <a:rPr lang="en-US" b="0" i="1" smtClean="0">
+                            <a:latin typeface="Cambria Math" charset="0"/>
+                          </a:rPr>
+                          <m:t>, </m:t>
+                        </m:r>
+                        <m:r>
+                          <a:rPr lang="en-US" b="0" i="1" smtClean="0">
+                            <a:latin typeface="Cambria Math" charset="0"/>
+                          </a:rPr>
+                          <m:t>𝑗</m:t>
+                        </m:r>
+                      </m:e>
+                    </m:d>
+                    <m:r>
+                      <a:rPr lang="en-US" b="0" i="1" smtClean="0">
+                        <a:latin typeface="Cambria Math" charset="0"/>
+                      </a:rPr>
+                      <m:t>≤</m:t>
+                    </m:r>
+                    <m:r>
+                      <a:rPr lang="en-US" b="0" i="1" smtClean="0">
+                        <a:latin typeface="Cambria Math" charset="0"/>
+                      </a:rPr>
+                      <m:t>𝑘</m:t>
+                    </m:r>
+                    <m:r>
+                      <a:rPr lang="en-US" b="0" i="1" smtClean="0">
+                        <a:latin typeface="Cambria Math" charset="0"/>
+                      </a:rPr>
+                      <m:t>  </m:t>
+                    </m:r>
+                  </m:oMath>
+                </a14:m>
+                <a:r>
+                  <a:rPr lang="en-US" dirty="0" smtClean="0"/>
+                  <a:t>the text contains a k-match with the pattern.  </a:t>
+                </a:r>
+                <a:endParaRPr lang="en-US" dirty="0"/>
+              </a:p>
+            </p:txBody>
+          </p:sp>
+        </mc:Choice>
+        <mc:Fallback xmlns="">
+          <p:sp>
+            <p:nvSpPr>
+              <p:cNvPr id="7" name="TextBox 6"/>
+              <p:cNvSpPr txBox="1">
+                <a:spLocks noRot="1" noChangeAspect="1" noMove="1" noResize="1" noEditPoints="1" noAdjustHandles="1" noChangeArrowheads="1" noChangeShapeType="1" noTextEdit="1"/>
+              </p:cNvSpPr>
+              <p:nvPr/>
+            </p:nvSpPr>
+            <p:spPr>
+              <a:xfrm>
+                <a:off x="685801" y="2510443"/>
+                <a:ext cx="3657600" cy="916982"/>
+              </a:xfrm>
+              <a:prstGeom prst="rect">
+                <a:avLst/>
+              </a:prstGeom>
+              <a:blipFill rotWithShape="0">
+                <a:blip r:embed="rId3"/>
+                <a:stretch>
+                  <a:fillRect l="-1167" t="-10000" b="-18667"/>
+                </a:stretch>
+              </a:blipFill>
+            </p:spPr>
+            <p:txBody>
+              <a:bodyPr/>
+              <a:lstStyle/>
+              <a:p>
+                <a:r>
+                  <a:rPr lang="en-US">
+                    <a:noFill/>
+                  </a:rPr>
+                  <a:t> </a:t>
+                </a:r>
+              </a:p>
+            </p:txBody>
+          </p:sp>
+        </mc:Fallback>
+      </mc:AlternateContent>
+      <p:sp>
+        <p:nvSpPr>
+          <p:cNvPr id="3" name="TextBox 2"/>
+          <p:cNvSpPr txBox="1"/>
+          <p:nvPr/>
+        </p:nvSpPr>
+        <p:spPr>
+          <a:xfrm>
+            <a:off x="6881247" y="5703376"/>
+            <a:ext cx="643125" cy="369332"/>
+          </a:xfrm>
+          <a:prstGeom prst="rect">
+            <a:avLst/>
+          </a:prstGeom>
+          <a:noFill/>
+        </p:spPr>
+        <p:txBody>
+          <a:bodyPr wrap="none" rtlCol="0">
+            <a:spAutoFit/>
+          </a:bodyPr>
+          <a:lstStyle/>
+          <a:p>
+            <a:r>
+              <a:rPr lang="en-US" dirty="0" smtClean="0">
+                <a:solidFill>
+                  <a:srgbClr val="92D050"/>
+                </a:solidFill>
+              </a:rPr>
+              <a:t>K = 2</a:t>
+            </a:r>
+            <a:endParaRPr lang="en-US" dirty="0">
+              <a:solidFill>
+                <a:srgbClr val="92D050"/>
+              </a:solidFill>
+            </a:endParaRPr>
+          </a:p>
+        </p:txBody>
+      </p:sp>
+      <p:sp>
+        <p:nvSpPr>
+          <p:cNvPr id="5" name="Donut 4"/>
+          <p:cNvSpPr/>
+          <p:nvPr/>
+        </p:nvSpPr>
+        <p:spPr>
+          <a:xfrm>
+            <a:off x="7214406" y="4819972"/>
+            <a:ext cx="309966" cy="302217"/>
+          </a:xfrm>
+          <a:prstGeom prst="donut">
+            <a:avLst>
+              <a:gd name="adj" fmla="val 2302"/>
+            </a:avLst>
+          </a:prstGeom>
+          <a:ln>
+            <a:solidFill>
+              <a:srgbClr val="92D050"/>
+            </a:solidFill>
+          </a:ln>
+        </p:spPr>
+        <p:style>
+          <a:lnRef idx="2">
+            <a:schemeClr val="accent1">
+              <a:shade val="50000"/>
+            </a:schemeClr>
+          </a:lnRef>
+          <a:fillRef idx="1">
+            <a:schemeClr val="accent1"/>
+          </a:fillRef>
+          <a:effectRef idx="0">
+            <a:schemeClr val="accent1"/>
+          </a:effectRef>
+          <a:fontRef idx="minor">
+            <a:schemeClr val="lt1"/>
+          </a:fontRef>
+        </p:style>
+        <p:txBody>
+          <a:bodyPr rtlCol="0" anchor="ctr"/>
+          <a:lstStyle/>
+          <a:p>
+            <a:pPr algn="ctr"/>
+            <a:endParaRPr lang="en-US">
+              <a:solidFill>
+                <a:schemeClr val="tx1"/>
+              </a:solidFill>
+            </a:endParaRPr>
+          </a:p>
+        </p:txBody>
+      </p:sp>
+      <p:sp>
+        <p:nvSpPr>
+          <p:cNvPr id="18" name="Donut 17"/>
+          <p:cNvSpPr/>
+          <p:nvPr/>
+        </p:nvSpPr>
+        <p:spPr>
+          <a:xfrm>
+            <a:off x="6881247" y="4819972"/>
+            <a:ext cx="309966" cy="302217"/>
+          </a:xfrm>
+          <a:prstGeom prst="donut">
+            <a:avLst>
+              <a:gd name="adj" fmla="val 2302"/>
+            </a:avLst>
+          </a:prstGeom>
+          <a:ln>
+            <a:solidFill>
+              <a:srgbClr val="92D050"/>
+            </a:solidFill>
+          </a:ln>
+        </p:spPr>
+        <p:style>
+          <a:lnRef idx="2">
+            <a:schemeClr val="accent1">
+              <a:shade val="50000"/>
+            </a:schemeClr>
+          </a:lnRef>
+          <a:fillRef idx="1">
+            <a:schemeClr val="accent1"/>
+          </a:fillRef>
+          <a:effectRef idx="0">
+            <a:schemeClr val="accent1"/>
+          </a:effectRef>
+          <a:fontRef idx="minor">
+            <a:schemeClr val="lt1"/>
+          </a:fontRef>
+        </p:style>
+        <p:txBody>
+          <a:bodyPr rtlCol="0" anchor="ctr"/>
+          <a:lstStyle/>
+          <a:p>
+            <a:pPr algn="ctr"/>
+            <a:endParaRPr lang="en-US">
+              <a:solidFill>
+                <a:schemeClr val="tx1"/>
+              </a:solidFill>
+            </a:endParaRPr>
+          </a:p>
+        </p:txBody>
+      </p:sp>
+      <p:sp>
+        <p:nvSpPr>
+          <p:cNvPr id="19" name="Donut 18"/>
+          <p:cNvSpPr/>
+          <p:nvPr/>
+        </p:nvSpPr>
+        <p:spPr>
+          <a:xfrm>
+            <a:off x="8257959" y="4816096"/>
+            <a:ext cx="309966" cy="302217"/>
+          </a:xfrm>
+          <a:prstGeom prst="donut">
+            <a:avLst>
+              <a:gd name="adj" fmla="val 2302"/>
+            </a:avLst>
+          </a:prstGeom>
+          <a:ln>
+            <a:solidFill>
+              <a:srgbClr val="92D050"/>
+            </a:solidFill>
+          </a:ln>
+        </p:spPr>
+        <p:style>
+          <a:lnRef idx="2">
+            <a:schemeClr val="accent1">
+              <a:shade val="50000"/>
+            </a:schemeClr>
+          </a:lnRef>
+          <a:fillRef idx="1">
+            <a:schemeClr val="accent1"/>
+          </a:fillRef>
+          <a:effectRef idx="0">
+            <a:schemeClr val="accent1"/>
+          </a:effectRef>
+          <a:fontRef idx="minor">
+            <a:schemeClr val="lt1"/>
+          </a:fontRef>
+        </p:style>
+        <p:txBody>
+          <a:bodyPr rtlCol="0" anchor="ctr"/>
+          <a:lstStyle/>
+          <a:p>
+            <a:pPr algn="ctr"/>
+            <a:endParaRPr lang="en-US">
+              <a:solidFill>
+                <a:schemeClr val="tx1"/>
+              </a:solidFill>
+            </a:endParaRPr>
+          </a:p>
+        </p:txBody>
+      </p:sp>
+      <p:sp>
+        <p:nvSpPr>
+          <p:cNvPr id="20" name="Donut 19"/>
+          <p:cNvSpPr/>
+          <p:nvPr/>
+        </p:nvSpPr>
+        <p:spPr>
+          <a:xfrm>
+            <a:off x="8591118" y="4816095"/>
+            <a:ext cx="309966" cy="302217"/>
+          </a:xfrm>
+          <a:prstGeom prst="donut">
+            <a:avLst>
+              <a:gd name="adj" fmla="val 2302"/>
+            </a:avLst>
+          </a:prstGeom>
+          <a:ln>
+            <a:solidFill>
+              <a:srgbClr val="92D050"/>
+            </a:solidFill>
+          </a:ln>
+        </p:spPr>
+        <p:style>
+          <a:lnRef idx="2">
+            <a:schemeClr val="accent1">
+              <a:shade val="50000"/>
+            </a:schemeClr>
+          </a:lnRef>
+          <a:fillRef idx="1">
+            <a:schemeClr val="accent1"/>
+          </a:fillRef>
+          <a:effectRef idx="0">
+            <a:schemeClr val="accent1"/>
+          </a:effectRef>
+          <a:fontRef idx="minor">
+            <a:schemeClr val="lt1"/>
+          </a:fontRef>
+        </p:style>
+        <p:txBody>
+          <a:bodyPr rtlCol="0" anchor="ctr"/>
+          <a:lstStyle/>
+          <a:p>
+            <a:pPr algn="ctr"/>
+            <a:endParaRPr lang="en-US">
+              <a:solidFill>
+                <a:schemeClr val="tx1"/>
+              </a:solidFill>
+            </a:endParaRPr>
+          </a:p>
+        </p:txBody>
+      </p:sp>
+      <p:sp>
+        <p:nvSpPr>
+          <p:cNvPr id="21" name="Donut 20"/>
+          <p:cNvSpPr/>
+          <p:nvPr/>
+        </p:nvSpPr>
+        <p:spPr>
+          <a:xfrm>
+            <a:off x="8924277" y="4816095"/>
+            <a:ext cx="309966" cy="302217"/>
+          </a:xfrm>
+          <a:prstGeom prst="donut">
+            <a:avLst>
+              <a:gd name="adj" fmla="val 2302"/>
+            </a:avLst>
+          </a:prstGeom>
+          <a:ln>
+            <a:solidFill>
+              <a:srgbClr val="92D050"/>
+            </a:solidFill>
+          </a:ln>
+        </p:spPr>
+        <p:style>
+          <a:lnRef idx="2">
+            <a:schemeClr val="accent1">
+              <a:shade val="50000"/>
+            </a:schemeClr>
+          </a:lnRef>
+          <a:fillRef idx="1">
+            <a:schemeClr val="accent1"/>
+          </a:fillRef>
+          <a:effectRef idx="0">
+            <a:schemeClr val="accent1"/>
+          </a:effectRef>
+          <a:fontRef idx="minor">
+            <a:schemeClr val="lt1"/>
+          </a:fontRef>
+        </p:style>
+        <p:txBody>
+          <a:bodyPr rtlCol="0" anchor="ctr"/>
+          <a:lstStyle/>
+          <a:p>
+            <a:pPr algn="ctr"/>
+            <a:endParaRPr lang="en-US">
+              <a:solidFill>
+                <a:schemeClr val="tx1"/>
+              </a:solidFill>
+            </a:endParaRPr>
+          </a:p>
+        </p:txBody>
+      </p:sp>
+    </p:spTree>
+    <p:extLst>
+      <p:ext uri="{BB962C8B-B14F-4D97-AF65-F5344CB8AC3E}">
+        <p14:creationId xmlns:p14="http://schemas.microsoft.com/office/powerpoint/2010/main" val="746905825"/>
+      </p:ext>
+    </p:extLst>
+  </p:cSld>
+  <p:clrMapOvr>
+    <a:masterClrMapping/>
+  </p:clrMapOvr>
+</p:sld>
+</file>
+
+<file path=ppt/slides/slide11.xml><?xml version="1.0" encoding="utf-8"?>
+<p:sld xmlns:a="http://schemas.openxmlformats.org/drawingml/2006/main" xmlns:r="http://schemas.openxmlformats.org/officeDocument/2006/relationships" xmlns:p="http://schemas.openxmlformats.org/presentationml/2006/main">
+  <p:cSld>
+    <p:spTree>
+      <p:nvGrpSpPr>
+        <p:cNvPr id="1" name=""/>
+        <p:cNvGrpSpPr/>
+        <p:nvPr/>
+      </p:nvGrpSpPr>
+      <p:grpSpPr>
+        <a:xfrm>
+          <a:off x="0" y="0"/>
+          <a:ext cx="0" cy="0"/>
+          <a:chOff x="0" y="0"/>
+          <a:chExt cx="0" cy="0"/>
+        </a:xfrm>
+      </p:grpSpPr>
+      <p:sp>
+        <p:nvSpPr>
+          <p:cNvPr id="2" name="Title 1"/>
+          <p:cNvSpPr>
+            <a:spLocks noGrp="1"/>
+          </p:cNvSpPr>
+          <p:nvPr>
+            <p:ph type="title"/>
+          </p:nvPr>
+        </p:nvSpPr>
+        <p:spPr/>
+        <p:txBody>
+          <a:bodyPr/>
+          <a:lstStyle/>
+          <a:p>
+            <a:r>
+              <a:rPr lang="en-US" dirty="0" smtClean="0"/>
               <a:t>(II) Memory efficient O(</a:t>
             </a:r>
             <a:r>
@@ -7128,7 +7723,7 @@
             <a:fld id="{D57F1E4F-1CFF-5643-939E-217C01CDF565}" type="slidenum">
               <a:rPr lang="en-US" smtClean="0"/>
               <a:pPr/>
-              <a:t>10</a:t>
+              <a:t>11</a:t>
             </a:fld>
             <a:endParaRPr lang="en-US" dirty="0"/>
           </a:p>
@@ -7313,7 +7908,7 @@
 </p:sld>
 </file>
 
-<file path=ppt/slides/slide11.xml><?xml version="1.0" encoding="utf-8"?>
+<file path=ppt/slides/slide12.xml><?xml version="1.0" encoding="utf-8"?>
 <p:sld xmlns:a="http://schemas.openxmlformats.org/drawingml/2006/main" xmlns:r="http://schemas.openxmlformats.org/officeDocument/2006/relationships" xmlns:p="http://schemas.openxmlformats.org/presentationml/2006/main">
   <p:cSld>
     <p:spTree>
@@ -7774,7 +8369,7 @@
             <a:fld id="{D57F1E4F-1CFF-5643-939E-217C01CDF565}" type="slidenum">
               <a:rPr lang="en-US" smtClean="0"/>
               <a:pPr/>
-              <a:t>11</a:t>
+              <a:t>12</a:t>
             </a:fld>
             <a:endParaRPr lang="en-US" dirty="0"/>
           </a:p>
@@ -8154,7 +8749,7 @@
 </p:sld>
 </file>
 
-<file path=ppt/slides/slide12.xml><?xml version="1.0" encoding="utf-8"?>
+<file path=ppt/slides/slide13.xml><?xml version="1.0" encoding="utf-8"?>
 <p:sld xmlns:a="http://schemas.openxmlformats.org/drawingml/2006/main" xmlns:r="http://schemas.openxmlformats.org/officeDocument/2006/relationships" xmlns:p="http://schemas.openxmlformats.org/presentationml/2006/main">
   <p:cSld>
     <p:spTree>
@@ -8467,7 +9062,7 @@
             <a:fld id="{D57F1E4F-1CFF-5643-939E-217C01CDF565}" type="slidenum">
               <a:rPr lang="en-US" smtClean="0"/>
               <a:pPr/>
-              <a:t>12</a:t>
+              <a:t>13</a:t>
             </a:fld>
             <a:endParaRPr lang="en-US" dirty="0"/>
           </a:p>
@@ -8493,7 +9088,7 @@
 </p:sld>
 </file>
 
-<file path=ppt/slides/slide13.xml><?xml version="1.0" encoding="utf-8"?>
+<file path=ppt/slides/slide14.xml><?xml version="1.0" encoding="utf-8"?>
 <p:sld xmlns:a="http://schemas.openxmlformats.org/drawingml/2006/main" xmlns:r="http://schemas.openxmlformats.org/officeDocument/2006/relationships" xmlns:p="http://schemas.openxmlformats.org/presentationml/2006/main">
   <p:cSld>
     <p:spTree>
@@ -8687,7 +9282,7 @@
             <a:fld id="{D57F1E4F-1CFF-5643-939E-217C01CDF565}" type="slidenum">
               <a:rPr lang="en-US" smtClean="0"/>
               <a:pPr/>
-              <a:t>13</a:t>
+              <a:t>14</a:t>
             </a:fld>
             <a:endParaRPr lang="en-US" dirty="0"/>
           </a:p>
@@ -8713,7 +9308,7 @@
 </p:sld>
 </file>
 
-<file path=ppt/slides/slide14.xml><?xml version="1.0" encoding="utf-8"?>
+<file path=ppt/slides/slide15.xml><?xml version="1.0" encoding="utf-8"?>
 <p:sld xmlns:a="http://schemas.openxmlformats.org/drawingml/2006/main" xmlns:r="http://schemas.openxmlformats.org/officeDocument/2006/relationships" xmlns:p="http://schemas.openxmlformats.org/presentationml/2006/main">
   <p:cSld>
     <p:spTree>
@@ -9037,7 +9632,7 @@
             <a:fld id="{D57F1E4F-1CFF-5643-939E-217C01CDF565}" type="slidenum">
               <a:rPr lang="en-US" smtClean="0"/>
               <a:pPr/>
-              <a:t>14</a:t>
+              <a:t>15</a:t>
             </a:fld>
             <a:endParaRPr lang="en-US" dirty="0"/>
           </a:p>
@@ -9047,120 +9642,6 @@
     <p:extLst>
       <p:ext uri="{BB962C8B-B14F-4D97-AF65-F5344CB8AC3E}">
         <p14:creationId xmlns:p14="http://schemas.microsoft.com/office/powerpoint/2010/main" val="1762107033"/>
-      </p:ext>
-    </p:extLst>
-  </p:cSld>
-  <p:clrMapOvr>
-    <a:masterClrMapping/>
-  </p:clrMapOvr>
-</p:sld>
-</file>
-
-<file path=ppt/slides/slide15.xml><?xml version="1.0" encoding="utf-8"?>
-<p:sld xmlns:a="http://schemas.openxmlformats.org/drawingml/2006/main" xmlns:r="http://schemas.openxmlformats.org/officeDocument/2006/relationships" xmlns:p="http://schemas.openxmlformats.org/presentationml/2006/main">
-  <p:cSld>
-    <p:spTree>
-      <p:nvGrpSpPr>
-        <p:cNvPr id="1" name=""/>
-        <p:cNvGrpSpPr/>
-        <p:nvPr/>
-      </p:nvGrpSpPr>
-      <p:grpSpPr>
-        <a:xfrm>
-          <a:off x="0" y="0"/>
-          <a:ext cx="0" cy="0"/>
-          <a:chOff x="0" y="0"/>
-          <a:chExt cx="0" cy="0"/>
-        </a:xfrm>
-      </p:grpSpPr>
-      <p:sp>
-        <p:nvSpPr>
-          <p:cNvPr id="2" name="Title 1"/>
-          <p:cNvSpPr>
-            <a:spLocks noGrp="1"/>
-          </p:cNvSpPr>
-          <p:nvPr>
-            <p:ph type="title"/>
-          </p:nvPr>
-        </p:nvSpPr>
-        <p:spPr/>
-        <p:txBody>
-          <a:bodyPr/>
-          <a:lstStyle/>
-          <a:p>
-            <a:r>
-              <a:rPr lang="en-US" dirty="0" smtClean="0"/>
-              <a:t>3.2 Test Input</a:t>
-            </a:r>
-            <a:endParaRPr lang="en-US" dirty="0"/>
-          </a:p>
-        </p:txBody>
-      </p:sp>
-      <p:sp>
-        <p:nvSpPr>
-          <p:cNvPr id="3" name="Content Placeholder 2"/>
-          <p:cNvSpPr>
-            <a:spLocks noGrp="1"/>
-          </p:cNvSpPr>
-          <p:nvPr>
-            <p:ph idx="1"/>
-          </p:nvPr>
-        </p:nvSpPr>
-        <p:spPr/>
-        <p:txBody>
-          <a:bodyPr/>
-          <a:lstStyle/>
-          <a:p>
-            <a:r>
-              <a:rPr lang="en-US" dirty="0"/>
-              <a:t>We are using our approximate string matching codes for detecting special genes in long strings of chromosomes.</a:t>
-            </a:r>
-          </a:p>
-          <a:p>
-            <a:pPr marL="0" indent="0">
-              <a:buNone/>
-            </a:pPr>
-            <a:endParaRPr lang="en-US" dirty="0"/>
-          </a:p>
-          <a:p>
-            <a:r>
-              <a:rPr lang="en-US" dirty="0"/>
-              <a:t>Results are collected by measuring the time of our codes for detecting the gene that represents the size of the head of humans in their first Chromosomes!</a:t>
-            </a:r>
-          </a:p>
-          <a:p>
-            <a:endParaRPr lang="en-US" dirty="0"/>
-          </a:p>
-        </p:txBody>
-      </p:sp>
-      <p:sp>
-        <p:nvSpPr>
-          <p:cNvPr id="4" name="Slide Number Placeholder 3"/>
-          <p:cNvSpPr>
-            <a:spLocks noGrp="1"/>
-          </p:cNvSpPr>
-          <p:nvPr>
-            <p:ph type="sldNum" sz="quarter" idx="12"/>
-          </p:nvPr>
-        </p:nvSpPr>
-        <p:spPr/>
-        <p:txBody>
-          <a:bodyPr/>
-          <a:lstStyle/>
-          <a:p>
-            <a:fld id="{D57F1E4F-1CFF-5643-939E-217C01CDF565}" type="slidenum">
-              <a:rPr lang="en-US" smtClean="0"/>
-              <a:pPr/>
-              <a:t>15</a:t>
-            </a:fld>
-            <a:endParaRPr lang="en-US" dirty="0"/>
-          </a:p>
-        </p:txBody>
-      </p:sp>
-    </p:spTree>
-    <p:extLst>
-      <p:ext uri="{BB962C8B-B14F-4D97-AF65-F5344CB8AC3E}">
-        <p14:creationId xmlns:p14="http://schemas.microsoft.com/office/powerpoint/2010/main" val="1218794280"/>
       </p:ext>
     </p:extLst>
   </p:cSld>
@@ -9204,7 +9685,7 @@
           <a:p>
             <a:r>
               <a:rPr lang="en-US" dirty="0" smtClean="0"/>
-              <a:t>3.2 Test strategy</a:t>
+              <a:t>3.2 Test Input</a:t>
             </a:r>
             <a:endParaRPr lang="en-US" dirty="0"/>
           </a:p>
@@ -9226,48 +9707,23 @@
           <a:lstStyle/>
           <a:p>
             <a:r>
-              <a:rPr lang="en-US"/>
-              <a:t>We </a:t>
-            </a:r>
-            <a:r>
-              <a:rPr lang="en-US" smtClean="0"/>
-              <a:t>tested three </a:t>
-            </a:r>
-            <a:r>
               <a:rPr lang="en-US" dirty="0"/>
-              <a:t>different sequential algorithms.</a:t>
-            </a:r>
-          </a:p>
-          <a:p>
+              <a:t>We are using our approximate string matching codes for detecting special genes in long strings of chromosomes.</a:t>
+            </a:r>
+          </a:p>
+          <a:p>
+            <a:pPr marL="0" indent="0">
+              <a:buNone/>
+            </a:pPr>
             <a:endParaRPr lang="en-US" dirty="0"/>
           </a:p>
           <a:p>
             <a:r>
               <a:rPr lang="en-US" dirty="0"/>
-              <a:t>Each for 10 different text sizes, from 7 Kilo to 70 Kilo string lengths.</a:t>
-            </a:r>
-          </a:p>
-          <a:p>
-            <a:endParaRPr lang="en-US" dirty="0"/>
-          </a:p>
-          <a:p>
-            <a:r>
-              <a:rPr lang="en-US" dirty="0"/>
-              <a:t>We test each case with different numbers of mismatches allowed to check the </a:t>
-            </a:r>
-            <a:r>
-              <a:rPr lang="en-US" dirty="0" smtClean="0"/>
-              <a:t>effect </a:t>
-            </a:r>
-            <a:r>
-              <a:rPr lang="en-US" dirty="0"/>
-              <a:t>on the performance of the algorithms.</a:t>
-            </a:r>
-          </a:p>
-          <a:p>
-            <a:pPr marL="0" indent="0">
-              <a:buNone/>
-            </a:pPr>
+              <a:t>Results are collected by measuring the time of our codes for detecting the gene that represents the size of the head of humans in their first Chromosomes!</a:t>
+            </a:r>
+          </a:p>
+          <a:p>
             <a:endParaRPr lang="en-US" dirty="0"/>
           </a:p>
         </p:txBody>
@@ -9299,7 +9755,7 @@
     </p:spTree>
     <p:extLst>
       <p:ext uri="{BB962C8B-B14F-4D97-AF65-F5344CB8AC3E}">
-        <p14:creationId xmlns:p14="http://schemas.microsoft.com/office/powerpoint/2010/main" val="1289275942"/>
+        <p14:creationId xmlns:p14="http://schemas.microsoft.com/office/powerpoint/2010/main" val="1218794280"/>
       </p:ext>
     </p:extLst>
   </p:cSld>
@@ -9343,8 +9799,70 @@
           <a:p>
             <a:r>
               <a:rPr lang="en-US" dirty="0" smtClean="0"/>
-              <a:t>3.2 Performance of sequential Algorithms</a:t>
-            </a:r>
+              <a:t>3.2 Test strategy</a:t>
+            </a:r>
+            <a:endParaRPr lang="en-US" dirty="0"/>
+          </a:p>
+        </p:txBody>
+      </p:sp>
+      <p:sp>
+        <p:nvSpPr>
+          <p:cNvPr id="3" name="Content Placeholder 2"/>
+          <p:cNvSpPr>
+            <a:spLocks noGrp="1"/>
+          </p:cNvSpPr>
+          <p:nvPr>
+            <p:ph idx="1"/>
+          </p:nvPr>
+        </p:nvSpPr>
+        <p:spPr/>
+        <p:txBody>
+          <a:bodyPr/>
+          <a:lstStyle/>
+          <a:p>
+            <a:r>
+              <a:rPr lang="en-US" dirty="0"/>
+              <a:t>We </a:t>
+            </a:r>
+            <a:r>
+              <a:rPr lang="en-US" dirty="0" smtClean="0"/>
+              <a:t>tested three </a:t>
+            </a:r>
+            <a:r>
+              <a:rPr lang="en-US" dirty="0"/>
+              <a:t>different sequential algorithms.</a:t>
+            </a:r>
+          </a:p>
+          <a:p>
+            <a:endParaRPr lang="en-US" dirty="0"/>
+          </a:p>
+          <a:p>
+            <a:r>
+              <a:rPr lang="en-US" dirty="0"/>
+              <a:t>Each for 10 different text sizes, from 7 Kilo to 70 Kilo string lengths.</a:t>
+            </a:r>
+          </a:p>
+          <a:p>
+            <a:endParaRPr lang="en-US" dirty="0"/>
+          </a:p>
+          <a:p>
+            <a:r>
+              <a:rPr lang="en-US" dirty="0"/>
+              <a:t>We test each case with different numbers of mismatches allowed to check the </a:t>
+            </a:r>
+            <a:r>
+              <a:rPr lang="en-US" dirty="0" smtClean="0"/>
+              <a:t>effect </a:t>
+            </a:r>
+            <a:r>
+              <a:rPr lang="en-US" dirty="0"/>
+              <a:t>on the performance of the algorithms.</a:t>
+            </a:r>
+          </a:p>
+          <a:p>
+            <a:pPr marL="0" indent="0">
+              <a:buNone/>
+            </a:pPr>
             <a:endParaRPr lang="en-US" dirty="0"/>
           </a:p>
         </p:txBody>
@@ -9373,77 +9891,10 @@
           </a:p>
         </p:txBody>
       </p:sp>
-      <p:pic>
-        <p:nvPicPr>
-          <p:cNvPr id="5" name="Content Placeholder 3"/>
-          <p:cNvPicPr>
-            <a:picLocks noGrp="1" noChangeAspect="1"/>
-          </p:cNvPicPr>
-          <p:nvPr>
-            <p:ph idx="1"/>
-          </p:nvPr>
-        </p:nvPicPr>
-        <p:blipFill>
-          <a:blip r:embed="rId2">
-            <a:extLst>
-              <a:ext uri="{28A0092B-C50C-407E-A947-70E740481C1C}">
-                <a14:useLocalDpi xmlns:a14="http://schemas.microsoft.com/office/drawing/2010/main" val="0"/>
-              </a:ext>
-            </a:extLst>
-          </a:blip>
-          <a:stretch>
-            <a:fillRect/>
-          </a:stretch>
-        </p:blipFill>
-        <p:spPr>
-          <a:xfrm>
-            <a:off x="5609119" y="2220913"/>
-            <a:ext cx="4866216" cy="3649662"/>
-          </a:xfrm>
-        </p:spPr>
-      </p:pic>
-      <p:sp>
-        <p:nvSpPr>
-          <p:cNvPr id="6" name="TextBox 5"/>
-          <p:cNvSpPr txBox="1"/>
-          <p:nvPr/>
-        </p:nvSpPr>
-        <p:spPr>
-          <a:xfrm>
-            <a:off x="685801" y="2220913"/>
-            <a:ext cx="2369110" cy="369332"/>
-          </a:xfrm>
-          <a:prstGeom prst="rect">
-            <a:avLst/>
-          </a:prstGeom>
-          <a:noFill/>
-        </p:spPr>
-        <p:txBody>
-          <a:bodyPr wrap="none" rtlCol="0">
-            <a:spAutoFit/>
-          </a:bodyPr>
-          <a:lstStyle/>
-          <a:p>
-            <a:r>
-              <a:rPr lang="en-US" dirty="0" smtClean="0"/>
-              <a:t>(I) O(</a:t>
-            </a:r>
-            <a:r>
-              <a:rPr lang="en-US" dirty="0" err="1" smtClean="0"/>
-              <a:t>mn</a:t>
-            </a:r>
-            <a:r>
-              <a:rPr lang="en-US" dirty="0" smtClean="0"/>
-              <a:t>) with D Matrix</a:t>
-            </a:r>
-            <a:endParaRPr lang="en-US" dirty="0"/>
-          </a:p>
-        </p:txBody>
-      </p:sp>
     </p:spTree>
     <p:extLst>
       <p:ext uri="{BB962C8B-B14F-4D97-AF65-F5344CB8AC3E}">
-        <p14:creationId xmlns:p14="http://schemas.microsoft.com/office/powerpoint/2010/main" val="453642666"/>
+        <p14:creationId xmlns:p14="http://schemas.microsoft.com/office/powerpoint/2010/main" val="1289275942"/>
       </p:ext>
     </p:extLst>
   </p:cSld>
@@ -9519,7 +9970,7 @@
       </p:sp>
       <p:pic>
         <p:nvPicPr>
-          <p:cNvPr id="6" name="Content Placeholder 4"/>
+          <p:cNvPr id="5" name="Content Placeholder 3"/>
           <p:cNvPicPr>
             <a:picLocks noGrp="1" noChangeAspect="1"/>
           </p:cNvPicPr>
@@ -9541,51 +9992,44 @@
         </p:blipFill>
         <p:spPr>
           <a:xfrm>
-            <a:off x="5607233" y="2220913"/>
+            <a:off x="5609119" y="2220913"/>
             <a:ext cx="4866216" cy="3649662"/>
           </a:xfrm>
         </p:spPr>
       </p:pic>
       <p:sp>
         <p:nvSpPr>
-          <p:cNvPr id="7" name="Rectangle 6"/>
-          <p:cNvSpPr/>
+          <p:cNvPr id="6" name="TextBox 5"/>
+          <p:cNvSpPr txBox="1"/>
           <p:nvPr/>
         </p:nvSpPr>
         <p:spPr>
           <a:xfrm>
             <a:off x="685801" y="2220913"/>
-            <a:ext cx="2465290" cy="369332"/>
+            <a:ext cx="2369110" cy="369332"/>
           </a:xfrm>
           <a:prstGeom prst="rect">
             <a:avLst/>
           </a:prstGeom>
+          <a:noFill/>
         </p:spPr>
         <p:txBody>
-          <a:bodyPr wrap="none">
+          <a:bodyPr wrap="none" rtlCol="0">
             <a:spAutoFit/>
           </a:bodyPr>
           <a:lstStyle/>
           <a:p>
             <a:r>
-              <a:rPr lang="en-US" smtClean="0"/>
-              <a:t>(III) </a:t>
-            </a:r>
-            <a:r>
-              <a:rPr lang="en-US" dirty="0"/>
-              <a:t>O(</a:t>
-            </a:r>
-            <a:r>
-              <a:rPr lang="en-US" dirty="0" err="1"/>
+              <a:rPr lang="en-US" dirty="0" smtClean="0"/>
+              <a:t>(I) O(</a:t>
+            </a:r>
+            <a:r>
+              <a:rPr lang="en-US" dirty="0" err="1" smtClean="0"/>
               <a:t>mn</a:t>
             </a:r>
             <a:r>
-              <a:rPr lang="en-US" dirty="0"/>
-              <a:t>) with </a:t>
-            </a:r>
-            <a:r>
-              <a:rPr lang="en-US" dirty="0" smtClean="0"/>
-              <a:t>C Matrix</a:t>
+              <a:rPr lang="en-US" dirty="0" smtClean="0"/>
+              <a:t>) with D Matrix</a:t>
             </a:r>
             <a:endParaRPr lang="en-US" dirty="0"/>
           </a:p>
@@ -9594,7 +10038,7 @@
     </p:spTree>
     <p:extLst>
       <p:ext uri="{BB962C8B-B14F-4D97-AF65-F5344CB8AC3E}">
-        <p14:creationId xmlns:p14="http://schemas.microsoft.com/office/powerpoint/2010/main" val="2081001110"/>
+        <p14:creationId xmlns:p14="http://schemas.microsoft.com/office/powerpoint/2010/main" val="453642666"/>
       </p:ext>
     </p:extLst>
   </p:cSld>
@@ -9692,21 +10136,21 @@
         </p:blipFill>
         <p:spPr>
           <a:xfrm>
-            <a:off x="5515171" y="2220913"/>
+            <a:off x="5607233" y="2220913"/>
             <a:ext cx="4866216" cy="3649662"/>
           </a:xfrm>
         </p:spPr>
       </p:pic>
       <p:sp>
         <p:nvSpPr>
-          <p:cNvPr id="8" name="Rectangle 7"/>
+          <p:cNvPr id="7" name="Rectangle 6"/>
           <p:cNvSpPr/>
           <p:nvPr/>
         </p:nvSpPr>
         <p:spPr>
           <a:xfrm>
             <a:off x="685801" y="2220913"/>
-            <a:ext cx="1087157" cy="369332"/>
+            <a:ext cx="2465290" cy="369332"/>
           </a:xfrm>
           <a:prstGeom prst="rect">
             <a:avLst/>
@@ -9719,20 +10163,24 @@
           <a:lstStyle/>
           <a:p>
             <a:r>
+              <a:rPr lang="en-US" smtClean="0"/>
+              <a:t>(III) </a:t>
+            </a:r>
+            <a:r>
               <a:rPr lang="en-US" dirty="0"/>
-              <a:t>(</a:t>
-            </a:r>
-            <a:r>
-              <a:rPr lang="en-US" dirty="0" smtClean="0"/>
-              <a:t>IV) O(</a:t>
-            </a:r>
-            <a:r>
-              <a:rPr lang="en-US" dirty="0" err="1" smtClean="0"/>
-              <a:t>kn</a:t>
-            </a:r>
-            <a:r>
-              <a:rPr lang="en-US" dirty="0" smtClean="0"/>
-              <a:t>)</a:t>
+              <a:t>O(</a:t>
+            </a:r>
+            <a:r>
+              <a:rPr lang="en-US" dirty="0" err="1"/>
+              <a:t>mn</a:t>
+            </a:r>
+            <a:r>
+              <a:rPr lang="en-US" dirty="0"/>
+              <a:t>) with </a:t>
+            </a:r>
+            <a:r>
+              <a:rPr lang="en-US" dirty="0" smtClean="0"/>
+              <a:t>C Matrix</a:t>
             </a:r>
             <a:endParaRPr lang="en-US" dirty="0"/>
           </a:p>
@@ -9741,7 +10189,7 @@
     </p:spTree>
     <p:extLst>
       <p:ext uri="{BB962C8B-B14F-4D97-AF65-F5344CB8AC3E}">
-        <p14:creationId xmlns:p14="http://schemas.microsoft.com/office/powerpoint/2010/main" val="1213329152"/>
+        <p14:creationId xmlns:p14="http://schemas.microsoft.com/office/powerpoint/2010/main" val="2081001110"/>
       </p:ext>
     </p:extLst>
   </p:cSld>
@@ -9849,7 +10297,7 @@
             </a:pPr>
             <a:r>
               <a:rPr lang="en-US" dirty="0" smtClean="0"/>
-              <a:t>Development (LU)</a:t>
+              <a:t>Development </a:t>
             </a:r>
           </a:p>
           <a:p>
@@ -10107,142 +10555,9 @@
           <a:lstStyle/>
           <a:p>
             <a:r>
-              <a:rPr lang="en-US" dirty="0"/>
-              <a:t>Comparison of Sequential Algorithms</a:t>
-            </a:r>
-          </a:p>
-        </p:txBody>
-      </p:sp>
-      <p:sp>
-        <p:nvSpPr>
-          <p:cNvPr id="3" name="Content Placeholder 2"/>
-          <p:cNvSpPr>
-            <a:spLocks noGrp="1"/>
-          </p:cNvSpPr>
-          <p:nvPr>
-            <p:ph idx="1"/>
-          </p:nvPr>
-        </p:nvSpPr>
-        <p:spPr/>
-        <p:txBody>
-          <a:bodyPr>
-            <a:normAutofit lnSpcReduction="10000"/>
-          </a:bodyPr>
-          <a:lstStyle/>
-          <a:p>
-            <a:pPr marL="0" indent="0">
-              <a:buNone/>
-            </a:pPr>
-            <a:r>
-              <a:rPr lang="en-US" dirty="0"/>
-              <a:t>Given n=text length m=pattern length k= number of mismatches</a:t>
-            </a:r>
-          </a:p>
-          <a:p>
-            <a:r>
-              <a:rPr lang="en-US" dirty="0" smtClean="0"/>
-              <a:t>Baseline 1 (Alg. I) is </a:t>
-            </a:r>
-            <a:r>
-              <a:rPr lang="en-US" dirty="0"/>
-              <a:t>the slowest. </a:t>
-            </a:r>
-          </a:p>
-          <a:p>
-            <a:pPr marL="0" indent="0">
-              <a:buNone/>
-            </a:pPr>
-            <a:endParaRPr lang="en-US" dirty="0"/>
-          </a:p>
-          <a:p>
-            <a:r>
-              <a:rPr lang="en-US" dirty="0" smtClean="0"/>
-              <a:t>Baseline 1 (Alg. I) and </a:t>
-            </a:r>
-            <a:r>
-              <a:rPr lang="en-US" dirty="0"/>
-              <a:t>baseline </a:t>
-            </a:r>
-            <a:r>
-              <a:rPr lang="en-US" dirty="0" smtClean="0"/>
-              <a:t>2 (Alg. III) </a:t>
-            </a:r>
-            <a:r>
-              <a:rPr lang="en-US" dirty="0"/>
-              <a:t>do not show special patterns of execution time when we increase k</a:t>
-            </a:r>
-            <a:r>
-              <a:rPr lang="en-US" dirty="0" smtClean="0"/>
-              <a:t>.</a:t>
-            </a:r>
-            <a:r>
-              <a:rPr lang="en-US" b="1" dirty="0" smtClean="0"/>
-              <a:t>	</a:t>
-            </a:r>
-          </a:p>
-          <a:p>
-            <a:pPr lvl="1"/>
-            <a:r>
-              <a:rPr lang="en-US" b="1" dirty="0" smtClean="0"/>
-              <a:t>Their </a:t>
-            </a:r>
-            <a:r>
-              <a:rPr lang="en-US" b="1" dirty="0"/>
-              <a:t>complexity: O(</a:t>
-            </a:r>
-            <a:r>
-              <a:rPr lang="en-US" b="1" dirty="0" err="1"/>
-              <a:t>mn</a:t>
-            </a:r>
-            <a:r>
-              <a:rPr lang="en-US" b="1" dirty="0"/>
-              <a:t>)</a:t>
-            </a:r>
-          </a:p>
-          <a:p>
-            <a:pPr marL="0" indent="0">
-              <a:buNone/>
-            </a:pPr>
-            <a:endParaRPr lang="en-US" dirty="0"/>
-          </a:p>
-          <a:p>
-            <a:r>
-              <a:rPr lang="en-US" dirty="0" smtClean="0"/>
-              <a:t>The performance plot of the most efficient algorithm (IV) shows that </a:t>
-            </a:r>
-            <a:r>
-              <a:rPr lang="en-US" dirty="0"/>
-              <a:t>with different k, we have significantly different execution </a:t>
-            </a:r>
-            <a:r>
-              <a:rPr lang="en-US" dirty="0" smtClean="0"/>
-              <a:t>time.</a:t>
-            </a:r>
-          </a:p>
-          <a:p>
-            <a:pPr lvl="1"/>
-            <a:r>
-              <a:rPr lang="en-US" b="1" dirty="0"/>
-              <a:t>C</a:t>
-            </a:r>
-            <a:r>
-              <a:rPr lang="en-US" b="1" dirty="0" smtClean="0"/>
-              <a:t>omplexity</a:t>
-            </a:r>
-            <a:r>
-              <a:rPr lang="en-US" b="1" dirty="0"/>
-              <a:t>: O(</a:t>
-            </a:r>
-            <a:r>
-              <a:rPr lang="en-US" b="1" dirty="0" err="1"/>
-              <a:t>nk</a:t>
-            </a:r>
-            <a:r>
-              <a:rPr lang="en-US" b="1" dirty="0"/>
-              <a:t>)</a:t>
-            </a:r>
-          </a:p>
-          <a:p>
+              <a:rPr lang="en-US" dirty="0" smtClean="0"/>
+              <a:t>3.2 Performance of sequential Algorithms</a:t>
+            </a:r>
             <a:endParaRPr lang="en-US" dirty="0"/>
           </a:p>
         </p:txBody>
@@ -10271,10 +10586,80 @@
           </a:p>
         </p:txBody>
       </p:sp>
+      <p:pic>
+        <p:nvPicPr>
+          <p:cNvPr id="6" name="Content Placeholder 4"/>
+          <p:cNvPicPr>
+            <a:picLocks noGrp="1" noChangeAspect="1"/>
+          </p:cNvPicPr>
+          <p:nvPr>
+            <p:ph idx="1"/>
+          </p:nvPr>
+        </p:nvPicPr>
+        <p:blipFill>
+          <a:blip r:embed="rId2">
+            <a:extLst>
+              <a:ext uri="{28A0092B-C50C-407E-A947-70E740481C1C}">
+                <a14:useLocalDpi xmlns:a14="http://schemas.microsoft.com/office/drawing/2010/main" val="0"/>
+              </a:ext>
+            </a:extLst>
+          </a:blip>
+          <a:stretch>
+            <a:fillRect/>
+          </a:stretch>
+        </p:blipFill>
+        <p:spPr>
+          <a:xfrm>
+            <a:off x="5515171" y="2220913"/>
+            <a:ext cx="4866216" cy="3649662"/>
+          </a:xfrm>
+        </p:spPr>
+      </p:pic>
+      <p:sp>
+        <p:nvSpPr>
+          <p:cNvPr id="8" name="Rectangle 7"/>
+          <p:cNvSpPr/>
+          <p:nvPr/>
+        </p:nvSpPr>
+        <p:spPr>
+          <a:xfrm>
+            <a:off x="685801" y="2220913"/>
+            <a:ext cx="1087157" cy="369332"/>
+          </a:xfrm>
+          <a:prstGeom prst="rect">
+            <a:avLst/>
+          </a:prstGeom>
+        </p:spPr>
+        <p:txBody>
+          <a:bodyPr wrap="none">
+            <a:spAutoFit/>
+          </a:bodyPr>
+          <a:lstStyle/>
+          <a:p>
+            <a:r>
+              <a:rPr lang="en-US" dirty="0"/>
+              <a:t>(</a:t>
+            </a:r>
+            <a:r>
+              <a:rPr lang="en-US" dirty="0" smtClean="0"/>
+              <a:t>IV) O(</a:t>
+            </a:r>
+            <a:r>
+              <a:rPr lang="en-US" dirty="0" err="1" smtClean="0"/>
+              <a:t>kn</a:t>
+            </a:r>
+            <a:r>
+              <a:rPr lang="en-US" dirty="0" smtClean="0"/>
+              <a:t>)</a:t>
+            </a:r>
+            <a:endParaRPr lang="en-US" dirty="0"/>
+          </a:p>
+        </p:txBody>
+      </p:sp>
     </p:spTree>
     <p:extLst>
       <p:ext uri="{BB962C8B-B14F-4D97-AF65-F5344CB8AC3E}">
-        <p14:creationId xmlns:p14="http://schemas.microsoft.com/office/powerpoint/2010/main" val="1604714714"/>
+        <p14:creationId xmlns:p14="http://schemas.microsoft.com/office/powerpoint/2010/main" val="1213329152"/>
       </p:ext>
     </p:extLst>
   </p:cSld>
@@ -10317,10 +10702,9 @@
           <a:lstStyle/>
           <a:p>
             <a:r>
-              <a:rPr lang="en-US" dirty="0" smtClean="0"/>
-              <a:t>3.3 Preliminary parallel versions</a:t>
-            </a:r>
-            <a:endParaRPr lang="en-US" dirty="0"/>
+              <a:rPr lang="en-US" dirty="0"/>
+              <a:t>Comparison of Sequential Algorithms</a:t>
+            </a:r>
           </a:p>
         </p:txBody>
       </p:sp>
@@ -10336,98 +10720,124 @@
         </p:nvSpPr>
         <p:spPr/>
         <p:txBody>
-          <a:bodyPr/>
-          <a:lstStyle/>
-          <a:p>
-            <a:r>
-              <a:rPr lang="en-US" dirty="0" smtClean="0"/>
-              <a:t>We implemented preliminary parallel versions of </a:t>
+          <a:bodyPr>
+            <a:normAutofit lnSpcReduction="10000"/>
+          </a:bodyPr>
+          <a:lstStyle/>
+          <a:p>
+            <a:pPr marL="0" indent="0">
+              <a:buNone/>
+            </a:pPr>
+            <a:r>
+              <a:rPr lang="en-US" dirty="0"/>
+              <a:t>Given n=text length m=pattern length k= number of mismatches</a:t>
+            </a:r>
+          </a:p>
+          <a:p>
+            <a:r>
+              <a:rPr lang="en-US" dirty="0" smtClean="0"/>
+              <a:t>Baseline 1 (Alg. I) is </a:t>
+            </a:r>
+            <a:r>
+              <a:rPr lang="en-US" dirty="0"/>
+              <a:t>the slowest. </a:t>
+            </a:r>
+          </a:p>
+          <a:p>
+            <a:pPr marL="0" indent="0">
+              <a:buNone/>
+            </a:pPr>
+            <a:endParaRPr lang="en-US" dirty="0"/>
+          </a:p>
+          <a:p>
+            <a:r>
+              <a:rPr lang="en-US" dirty="0" smtClean="0"/>
+              <a:t>Baseline 1 (Alg. I) and </a:t>
+            </a:r>
+            <a:r>
+              <a:rPr lang="en-US" dirty="0"/>
+              <a:t>baseline </a:t>
+            </a:r>
+            <a:r>
+              <a:rPr lang="en-US" dirty="0" smtClean="0"/>
+              <a:t>2 (Alg. III) </a:t>
+            </a:r>
+            <a:r>
+              <a:rPr lang="en-US" dirty="0"/>
+              <a:t>do not show special patterns of execution time when we increase k</a:t>
+            </a:r>
+            <a:r>
+              <a:rPr lang="en-US" dirty="0" smtClean="0"/>
+              <a:t>.</a:t>
+            </a:r>
+            <a:r>
+              <a:rPr lang="en-US" b="1" dirty="0" smtClean="0"/>
+              <a:t>	</a:t>
             </a:r>
           </a:p>
           <a:p>
             <a:pPr lvl="1"/>
             <a:r>
-              <a:rPr lang="en-US" dirty="0" smtClean="0"/>
-              <a:t>(I) O(</a:t>
-            </a:r>
-            <a:r>
-              <a:rPr lang="en-US" dirty="0" err="1" smtClean="0"/>
+              <a:rPr lang="en-US" b="1" dirty="0" smtClean="0"/>
+              <a:t>Their </a:t>
+            </a:r>
+            <a:r>
+              <a:rPr lang="en-US" b="1" dirty="0"/>
+              <a:t>complexity: O(</a:t>
+            </a:r>
+            <a:r>
+              <a:rPr lang="en-US" b="1" dirty="0" err="1"/>
               <a:t>mn</a:t>
             </a:r>
             <a:r>
-              <a:rPr lang="en-US" dirty="0" smtClean="0"/>
-              <a:t>) using D Matrix</a:t>
+              <a:rPr lang="en-US" b="1" dirty="0"/>
+              <a:t>)</a:t>
+            </a:r>
+          </a:p>
+          <a:p>
+            <a:pPr marL="0" indent="0">
+              <a:buNone/>
+            </a:pPr>
+            <a:endParaRPr lang="en-US" dirty="0"/>
+          </a:p>
+          <a:p>
+            <a:r>
+              <a:rPr lang="en-US" dirty="0" smtClean="0"/>
+              <a:t>The performance plot of the most efficient algorithm (IV) shows that </a:t>
+            </a:r>
+            <a:r>
+              <a:rPr lang="en-US" dirty="0"/>
+              <a:t>with different k, we have significantly different execution </a:t>
+            </a:r>
+            <a:r>
+              <a:rPr lang="en-US" dirty="0" smtClean="0"/>
+              <a:t>time.</a:t>
             </a:r>
           </a:p>
           <a:p>
             <a:pPr lvl="1"/>
             <a:r>
-              <a:rPr lang="en-US" dirty="0" smtClean="0"/>
-              <a:t>(III) O(</a:t>
-            </a:r>
-            <a:r>
-              <a:rPr lang="en-US" dirty="0" err="1" smtClean="0"/>
-              <a:t>mn</a:t>
-            </a:r>
-            <a:r>
-              <a:rPr lang="en-US" dirty="0" smtClean="0"/>
-              <a:t>) using C Matrix</a:t>
-            </a:r>
-          </a:p>
-          <a:p>
-            <a:r>
-              <a:rPr lang="en-US" dirty="0"/>
-              <a:t>https://</a:t>
-            </a:r>
-            <a:r>
-              <a:rPr lang="en-US" dirty="0" err="1"/>
-              <a:t>github.com</a:t>
-            </a:r>
-            <a:r>
-              <a:rPr lang="en-US" dirty="0"/>
-              <a:t>/</a:t>
-            </a:r>
-            <a:r>
-              <a:rPr lang="en-US" dirty="0" err="1"/>
-              <a:t>soroa</a:t>
-            </a:r>
-            <a:r>
-              <a:rPr lang="en-US" dirty="0"/>
-              <a:t>/Parallel-ASM/tree/master/</a:t>
-            </a:r>
-            <a:r>
-              <a:rPr lang="en-US" dirty="0" err="1"/>
-              <a:t>src</a:t>
-            </a:r>
-            <a:r>
-              <a:rPr lang="en-US" dirty="0"/>
-              <a:t>/parallel</a:t>
-            </a:r>
-            <a:endParaRPr lang="en-US" dirty="0" smtClean="0"/>
-          </a:p>
-          <a:p>
-            <a:r>
-              <a:rPr lang="en-US" dirty="0" smtClean="0"/>
-              <a:t>Performance still to be tested</a:t>
-            </a:r>
-          </a:p>
-          <a:p>
-            <a:r>
-              <a:rPr lang="en-US" dirty="0" smtClean="0"/>
-              <a:t>Implementations </a:t>
-            </a:r>
-            <a:r>
-              <a:rPr lang="en-US" dirty="0"/>
-              <a:t>using multi-threading (&lt;</a:t>
-            </a:r>
-            <a:r>
-              <a:rPr lang="en-US" dirty="0" err="1"/>
-              <a:t>pthread.h</a:t>
-            </a:r>
-            <a:r>
-              <a:rPr lang="en-US" dirty="0" smtClean="0"/>
-              <a:t>&gt;)</a:t>
-            </a:r>
+              <a:rPr lang="en-US" b="1" dirty="0"/>
+              <a:t>C</a:t>
+            </a:r>
+            <a:r>
+              <a:rPr lang="en-US" b="1" dirty="0" smtClean="0"/>
+              <a:t>omplexity</a:t>
+            </a:r>
+            <a:r>
+              <a:rPr lang="en-US" b="1" dirty="0"/>
+              <a:t>: O(</a:t>
+            </a:r>
+            <a:r>
+              <a:rPr lang="en-US" b="1" dirty="0" err="1"/>
+              <a:t>nk</a:t>
+            </a:r>
+            <a:r>
+              <a:rPr lang="en-US" b="1" dirty="0"/>
+              <a:t>)</a:t>
+            </a:r>
+          </a:p>
+          <a:p>
             <a:endParaRPr lang="en-US" dirty="0"/>
           </a:p>
         </p:txBody>
@@ -10459,7 +10869,7 @@
     </p:spTree>
     <p:extLst>
       <p:ext uri="{BB962C8B-B14F-4D97-AF65-F5344CB8AC3E}">
-        <p14:creationId xmlns:p14="http://schemas.microsoft.com/office/powerpoint/2010/main" val="1096997768"/>
+        <p14:creationId xmlns:p14="http://schemas.microsoft.com/office/powerpoint/2010/main" val="1604714714"/>
       </p:ext>
     </p:extLst>
   </p:cSld>
@@ -10503,6 +10913,191 @@
           <a:p>
             <a:r>
               <a:rPr lang="en-US" dirty="0" smtClean="0"/>
+              <a:t>3.3 Preliminary parallel versions</a:t>
+            </a:r>
+            <a:endParaRPr lang="en-US" dirty="0"/>
+          </a:p>
+        </p:txBody>
+      </p:sp>
+      <p:sp>
+        <p:nvSpPr>
+          <p:cNvPr id="3" name="Content Placeholder 2"/>
+          <p:cNvSpPr>
+            <a:spLocks noGrp="1"/>
+          </p:cNvSpPr>
+          <p:nvPr>
+            <p:ph idx="1"/>
+          </p:nvPr>
+        </p:nvSpPr>
+        <p:spPr/>
+        <p:txBody>
+          <a:bodyPr/>
+          <a:lstStyle/>
+          <a:p>
+            <a:r>
+              <a:rPr lang="en-US" dirty="0" smtClean="0"/>
+              <a:t>We implemented preliminary parallel versions of </a:t>
+            </a:r>
+          </a:p>
+          <a:p>
+            <a:pPr lvl="1"/>
+            <a:r>
+              <a:rPr lang="en-US" dirty="0" smtClean="0"/>
+              <a:t>(I) O(</a:t>
+            </a:r>
+            <a:r>
+              <a:rPr lang="en-US" dirty="0" err="1" smtClean="0"/>
+              <a:t>mn</a:t>
+            </a:r>
+            <a:r>
+              <a:rPr lang="en-US" dirty="0" smtClean="0"/>
+              <a:t>) using D Matrix</a:t>
+            </a:r>
+          </a:p>
+          <a:p>
+            <a:pPr lvl="1"/>
+            <a:r>
+              <a:rPr lang="en-US" dirty="0" smtClean="0"/>
+              <a:t>(III) O(</a:t>
+            </a:r>
+            <a:r>
+              <a:rPr lang="en-US" dirty="0" err="1" smtClean="0"/>
+              <a:t>mn</a:t>
+            </a:r>
+            <a:r>
+              <a:rPr lang="en-US" dirty="0" smtClean="0"/>
+              <a:t>) using C Matrix</a:t>
+            </a:r>
+          </a:p>
+          <a:p>
+            <a:r>
+              <a:rPr lang="en-US" dirty="0"/>
+              <a:t>https://</a:t>
+            </a:r>
+            <a:r>
+              <a:rPr lang="en-US" dirty="0" err="1"/>
+              <a:t>github.com</a:t>
+            </a:r>
+            <a:r>
+              <a:rPr lang="en-US" dirty="0"/>
+              <a:t>/</a:t>
+            </a:r>
+            <a:r>
+              <a:rPr lang="en-US" dirty="0" err="1"/>
+              <a:t>soroa</a:t>
+            </a:r>
+            <a:r>
+              <a:rPr lang="en-US" dirty="0"/>
+              <a:t>/Parallel-ASM/tree/master/</a:t>
+            </a:r>
+            <a:r>
+              <a:rPr lang="en-US" dirty="0" err="1"/>
+              <a:t>src</a:t>
+            </a:r>
+            <a:r>
+              <a:rPr lang="en-US" dirty="0"/>
+              <a:t>/parallel</a:t>
+            </a:r>
+            <a:endParaRPr lang="en-US" dirty="0" smtClean="0"/>
+          </a:p>
+          <a:p>
+            <a:r>
+              <a:rPr lang="en-US" dirty="0" smtClean="0"/>
+              <a:t>Performance still to be tested</a:t>
+            </a:r>
+          </a:p>
+          <a:p>
+            <a:r>
+              <a:rPr lang="en-US" dirty="0" smtClean="0"/>
+              <a:t>Implementations </a:t>
+            </a:r>
+            <a:r>
+              <a:rPr lang="en-US" dirty="0"/>
+              <a:t>using multi-threading (&lt;</a:t>
+            </a:r>
+            <a:r>
+              <a:rPr lang="en-US" dirty="0" err="1"/>
+              <a:t>pthread.h</a:t>
+            </a:r>
+            <a:r>
+              <a:rPr lang="en-US" dirty="0" smtClean="0"/>
+              <a:t>&gt;)</a:t>
+            </a:r>
+            <a:endParaRPr lang="en-US" dirty="0"/>
+          </a:p>
+        </p:txBody>
+      </p:sp>
+      <p:sp>
+        <p:nvSpPr>
+          <p:cNvPr id="4" name="Slide Number Placeholder 3"/>
+          <p:cNvSpPr>
+            <a:spLocks noGrp="1"/>
+          </p:cNvSpPr>
+          <p:nvPr>
+            <p:ph type="sldNum" sz="quarter" idx="12"/>
+          </p:nvPr>
+        </p:nvSpPr>
+        <p:spPr/>
+        <p:txBody>
+          <a:bodyPr/>
+          <a:lstStyle/>
+          <a:p>
+            <a:fld id="{D57F1E4F-1CFF-5643-939E-217C01CDF565}" type="slidenum">
+              <a:rPr lang="en-US" smtClean="0"/>
+              <a:pPr/>
+              <a:t>22</a:t>
+            </a:fld>
+            <a:endParaRPr lang="en-US" dirty="0"/>
+          </a:p>
+        </p:txBody>
+      </p:sp>
+    </p:spTree>
+    <p:extLst>
+      <p:ext uri="{BB962C8B-B14F-4D97-AF65-F5344CB8AC3E}">
+        <p14:creationId xmlns:p14="http://schemas.microsoft.com/office/powerpoint/2010/main" val="1096997768"/>
+      </p:ext>
+    </p:extLst>
+  </p:cSld>
+  <p:clrMapOvr>
+    <a:masterClrMapping/>
+  </p:clrMapOvr>
+</p:sld>
+</file>
+
+<file path=ppt/slides/slide23.xml><?xml version="1.0" encoding="utf-8"?>
+<p:sld xmlns:a="http://schemas.openxmlformats.org/drawingml/2006/main" xmlns:r="http://schemas.openxmlformats.org/officeDocument/2006/relationships" xmlns:p="http://schemas.openxmlformats.org/presentationml/2006/main">
+  <p:cSld>
+    <p:spTree>
+      <p:nvGrpSpPr>
+        <p:cNvPr id="1" name=""/>
+        <p:cNvGrpSpPr/>
+        <p:nvPr/>
+      </p:nvGrpSpPr>
+      <p:grpSpPr>
+        <a:xfrm>
+          <a:off x="0" y="0"/>
+          <a:ext cx="0" cy="0"/>
+          <a:chOff x="0" y="0"/>
+          <a:chExt cx="0" cy="0"/>
+        </a:xfrm>
+      </p:grpSpPr>
+      <p:sp>
+        <p:nvSpPr>
+          <p:cNvPr id="2" name="Title 1"/>
+          <p:cNvSpPr>
+            <a:spLocks noGrp="1"/>
+          </p:cNvSpPr>
+          <p:nvPr>
+            <p:ph type="title"/>
+          </p:nvPr>
+        </p:nvSpPr>
+        <p:spPr/>
+        <p:txBody>
+          <a:bodyPr/>
+          <a:lstStyle/>
+          <a:p>
+            <a:r>
+              <a:rPr lang="en-US" dirty="0" smtClean="0"/>
               <a:t>3.3.1 Parallel Programming model</a:t>
             </a:r>
             <a:endParaRPr lang="en-US" dirty="0"/>
@@ -10608,7 +11203,7 @@
             <a:fld id="{D57F1E4F-1CFF-5643-939E-217C01CDF565}" type="slidenum">
               <a:rPr lang="en-US" smtClean="0"/>
               <a:pPr/>
-              <a:t>22</a:t>
+              <a:t>23</a:t>
             </a:fld>
             <a:endParaRPr lang="en-US" dirty="0"/>
           </a:p>
@@ -10651,7 +11246,7 @@
 </p:sld>
 </file>
 
-<file path=ppt/slides/slide23.xml><?xml version="1.0" encoding="utf-8"?>
+<file path=ppt/slides/slide24.xml><?xml version="1.0" encoding="utf-8"?>
 <p:sld xmlns:a="http://schemas.openxmlformats.org/drawingml/2006/main" xmlns:r="http://schemas.openxmlformats.org/officeDocument/2006/relationships" xmlns:p="http://schemas.openxmlformats.org/presentationml/2006/main">
   <p:cSld>
     <p:spTree>
@@ -10970,7 +11565,7 @@
             <a:fld id="{D57F1E4F-1CFF-5643-939E-217C01CDF565}" type="slidenum">
               <a:rPr lang="en-US" smtClean="0"/>
               <a:pPr/>
-              <a:t>23</a:t>
+              <a:t>24</a:t>
             </a:fld>
             <a:endParaRPr lang="en-US" dirty="0"/>
           </a:p>
@@ -11214,7 +11809,7 @@
 </p:sld>
 </file>
 
-<file path=ppt/slides/slide24.xml><?xml version="1.0" encoding="utf-8"?>
+<file path=ppt/slides/slide25.xml><?xml version="1.0" encoding="utf-8"?>
 <p:sld xmlns:a="http://schemas.openxmlformats.org/drawingml/2006/main" xmlns:r="http://schemas.openxmlformats.org/officeDocument/2006/relationships" xmlns:p="http://schemas.openxmlformats.org/presentationml/2006/main">
   <p:cSld>
     <p:spTree>
@@ -11271,7 +11866,7 @@
             <a:fld id="{D57F1E4F-1CFF-5643-939E-217C01CDF565}" type="slidenum">
               <a:rPr lang="en-US" smtClean="0"/>
               <a:pPr/>
-              <a:t>24</a:t>
+              <a:t>25</a:t>
             </a:fld>
             <a:endParaRPr lang="en-US" dirty="0"/>
           </a:p>
@@ -11919,160 +12514,6 @@
 </p:sld>
 </file>
 
-<file path=ppt/slides/slide25.xml><?xml version="1.0" encoding="utf-8"?>
-<p:sld xmlns:a="http://schemas.openxmlformats.org/drawingml/2006/main" xmlns:r="http://schemas.openxmlformats.org/officeDocument/2006/relationships" xmlns:p="http://schemas.openxmlformats.org/presentationml/2006/main">
-  <p:cSld>
-    <p:spTree>
-      <p:nvGrpSpPr>
-        <p:cNvPr id="1" name=""/>
-        <p:cNvGrpSpPr/>
-        <p:nvPr/>
-      </p:nvGrpSpPr>
-      <p:grpSpPr>
-        <a:xfrm>
-          <a:off x="0" y="0"/>
-          <a:ext cx="0" cy="0"/>
-          <a:chOff x="0" y="0"/>
-          <a:chExt cx="0" cy="0"/>
-        </a:xfrm>
-      </p:grpSpPr>
-      <p:sp>
-        <p:nvSpPr>
-          <p:cNvPr id="2" name="Title 1"/>
-          <p:cNvSpPr>
-            <a:spLocks noGrp="1"/>
-          </p:cNvSpPr>
-          <p:nvPr>
-            <p:ph type="title"/>
-          </p:nvPr>
-        </p:nvSpPr>
-        <p:spPr/>
-        <p:txBody>
-          <a:bodyPr/>
-          <a:lstStyle/>
-          <a:p>
-            <a:r>
-              <a:rPr lang="en-US" dirty="0" smtClean="0"/>
-              <a:t>4. Future milestones</a:t>
-            </a:r>
-            <a:endParaRPr lang="en-US" dirty="0"/>
-          </a:p>
-        </p:txBody>
-      </p:sp>
-      <p:sp>
-        <p:nvSpPr>
-          <p:cNvPr id="3" name="Content Placeholder 2"/>
-          <p:cNvSpPr>
-            <a:spLocks noGrp="1"/>
-          </p:cNvSpPr>
-          <p:nvPr>
-            <p:ph idx="1"/>
-          </p:nvPr>
-        </p:nvSpPr>
-        <p:spPr/>
-        <p:txBody>
-          <a:bodyPr/>
-          <a:lstStyle/>
-          <a:p>
-            <a:r>
-              <a:rPr lang="en-US" dirty="0" smtClean="0"/>
-              <a:t>Further improve parallel versions</a:t>
-            </a:r>
-          </a:p>
-          <a:p>
-            <a:pPr lvl="1"/>
-            <a:r>
-              <a:rPr lang="en-US" dirty="0" smtClean="0"/>
-              <a:t>Parallelize Initialization of Matrix D and C</a:t>
-            </a:r>
-          </a:p>
-          <a:p>
-            <a:pPr lvl="1"/>
-            <a:r>
-              <a:rPr lang="en-US" dirty="0" smtClean="0"/>
-              <a:t>Parallelize diagonal-wise and compare to row-wise</a:t>
-            </a:r>
-          </a:p>
-          <a:p>
-            <a:r>
-              <a:rPr lang="en-US" dirty="0" smtClean="0"/>
-              <a:t>Implement parallel versions using </a:t>
-            </a:r>
-            <a:r>
-              <a:rPr lang="en-US" dirty="0" err="1" smtClean="0"/>
-              <a:t>openMP</a:t>
-            </a:r>
-            <a:r>
-              <a:rPr lang="en-US" dirty="0" smtClean="0"/>
-              <a:t> and compare with </a:t>
-            </a:r>
-            <a:r>
-              <a:rPr lang="en-US" dirty="0" smtClean="0"/>
-              <a:t>current version</a:t>
-            </a:r>
-            <a:endParaRPr lang="en-US" dirty="0" smtClean="0"/>
-          </a:p>
-          <a:p>
-            <a:pPr marL="285750" lvl="1"/>
-            <a:r>
-              <a:rPr lang="en-US" sz="1800" dirty="0"/>
-              <a:t>Try to parallelize O(</a:t>
-            </a:r>
-            <a:r>
-              <a:rPr lang="en-US" sz="1800" dirty="0" err="1"/>
-              <a:t>kn</a:t>
-            </a:r>
-            <a:r>
-              <a:rPr lang="en-US" sz="1800" dirty="0"/>
-              <a:t>) </a:t>
-            </a:r>
-            <a:r>
-              <a:rPr lang="en-US" sz="1800" dirty="0" smtClean="0"/>
-              <a:t>algorithm</a:t>
-            </a:r>
-          </a:p>
-          <a:p>
-            <a:endParaRPr lang="en-US" dirty="0"/>
-          </a:p>
-        </p:txBody>
-      </p:sp>
-      <p:sp>
-        <p:nvSpPr>
-          <p:cNvPr id="4" name="Slide Number Placeholder 3"/>
-          <p:cNvSpPr>
-            <a:spLocks noGrp="1"/>
-          </p:cNvSpPr>
-          <p:nvPr>
-            <p:ph type="sldNum" sz="quarter" idx="12"/>
-          </p:nvPr>
-        </p:nvSpPr>
-        <p:spPr/>
-        <p:txBody>
-          <a:bodyPr/>
-          <a:lstStyle/>
-          <a:p>
-            <a:fld id="{D57F1E4F-1CFF-5643-939E-217C01CDF565}" type="slidenum">
-              <a:rPr lang="en-US" smtClean="0"/>
-              <a:pPr/>
-              <a:t>25</a:t>
-            </a:fld>
-            <a:endParaRPr lang="en-US" dirty="0"/>
-          </a:p>
-        </p:txBody>
-      </p:sp>
-    </p:spTree>
-    <p:extLst>
-      <p:ext uri="{BB962C8B-B14F-4D97-AF65-F5344CB8AC3E}">
-        <p14:creationId xmlns:p14="http://schemas.microsoft.com/office/powerpoint/2010/main" val="478520537"/>
-      </p:ext>
-    </p:extLst>
-  </p:cSld>
-  <p:clrMapOvr>
-    <a:masterClrMapping/>
-  </p:clrMapOvr>
-</p:sld>
-</file>
-
 <file path=ppt/slides/slide26.xml><?xml version="1.0" encoding="utf-8"?>
 <p:sld xmlns:a="http://schemas.openxmlformats.org/drawingml/2006/main" xmlns:r="http://schemas.openxmlformats.org/officeDocument/2006/relationships" xmlns:p="http://schemas.openxmlformats.org/presentationml/2006/main">
   <p:cSld>
@@ -12107,6 +12548,160 @@
           <a:p>
             <a:r>
               <a:rPr lang="en-US" dirty="0" smtClean="0"/>
+              <a:t>4. Future milestones</a:t>
+            </a:r>
+            <a:endParaRPr lang="en-US" dirty="0"/>
+          </a:p>
+        </p:txBody>
+      </p:sp>
+      <p:sp>
+        <p:nvSpPr>
+          <p:cNvPr id="3" name="Content Placeholder 2"/>
+          <p:cNvSpPr>
+            <a:spLocks noGrp="1"/>
+          </p:cNvSpPr>
+          <p:nvPr>
+            <p:ph idx="1"/>
+          </p:nvPr>
+        </p:nvSpPr>
+        <p:spPr/>
+        <p:txBody>
+          <a:bodyPr/>
+          <a:lstStyle/>
+          <a:p>
+            <a:r>
+              <a:rPr lang="en-US" dirty="0" smtClean="0"/>
+              <a:t>Further improve parallel versions</a:t>
+            </a:r>
+          </a:p>
+          <a:p>
+            <a:pPr lvl="1"/>
+            <a:r>
+              <a:rPr lang="en-US" dirty="0" smtClean="0"/>
+              <a:t>Parallelize Initialization of Matrix D and C</a:t>
+            </a:r>
+          </a:p>
+          <a:p>
+            <a:pPr lvl="1"/>
+            <a:r>
+              <a:rPr lang="en-US" dirty="0" smtClean="0"/>
+              <a:t>Parallelize diagonal-wise and compare to row-wise</a:t>
+            </a:r>
+          </a:p>
+          <a:p>
+            <a:r>
+              <a:rPr lang="en-US" dirty="0" smtClean="0"/>
+              <a:t>Implement parallel versions using </a:t>
+            </a:r>
+            <a:r>
+              <a:rPr lang="en-US" dirty="0" err="1" smtClean="0"/>
+              <a:t>openMP</a:t>
+            </a:r>
+            <a:r>
+              <a:rPr lang="en-US" dirty="0" smtClean="0"/>
+              <a:t> and compare with </a:t>
+            </a:r>
+            <a:r>
+              <a:rPr lang="en-US" dirty="0" smtClean="0"/>
+              <a:t>current version</a:t>
+            </a:r>
+            <a:endParaRPr lang="en-US" dirty="0" smtClean="0"/>
+          </a:p>
+          <a:p>
+            <a:pPr marL="285750" lvl="1"/>
+            <a:r>
+              <a:rPr lang="en-US" sz="1800" dirty="0"/>
+              <a:t>Try to parallelize O(</a:t>
+            </a:r>
+            <a:r>
+              <a:rPr lang="en-US" sz="1800" dirty="0" err="1"/>
+              <a:t>kn</a:t>
+            </a:r>
+            <a:r>
+              <a:rPr lang="en-US" sz="1800" dirty="0"/>
+              <a:t>) </a:t>
+            </a:r>
+            <a:r>
+              <a:rPr lang="en-US" sz="1800" dirty="0" smtClean="0"/>
+              <a:t>algorithm</a:t>
+            </a:r>
+          </a:p>
+          <a:p>
+            <a:endParaRPr lang="en-US" dirty="0"/>
+          </a:p>
+        </p:txBody>
+      </p:sp>
+      <p:sp>
+        <p:nvSpPr>
+          <p:cNvPr id="4" name="Slide Number Placeholder 3"/>
+          <p:cNvSpPr>
+            <a:spLocks noGrp="1"/>
+          </p:cNvSpPr>
+          <p:nvPr>
+            <p:ph type="sldNum" sz="quarter" idx="12"/>
+          </p:nvPr>
+        </p:nvSpPr>
+        <p:spPr/>
+        <p:txBody>
+          <a:bodyPr/>
+          <a:lstStyle/>
+          <a:p>
+            <a:fld id="{D57F1E4F-1CFF-5643-939E-217C01CDF565}" type="slidenum">
+              <a:rPr lang="en-US" smtClean="0"/>
+              <a:pPr/>
+              <a:t>26</a:t>
+            </a:fld>
+            <a:endParaRPr lang="en-US" dirty="0"/>
+          </a:p>
+        </p:txBody>
+      </p:sp>
+    </p:spTree>
+    <p:extLst>
+      <p:ext uri="{BB962C8B-B14F-4D97-AF65-F5344CB8AC3E}">
+        <p14:creationId xmlns:p14="http://schemas.microsoft.com/office/powerpoint/2010/main" val="478520537"/>
+      </p:ext>
+    </p:extLst>
+  </p:cSld>
+  <p:clrMapOvr>
+    <a:masterClrMapping/>
+  </p:clrMapOvr>
+</p:sld>
+</file>
+
+<file path=ppt/slides/slide27.xml><?xml version="1.0" encoding="utf-8"?>
+<p:sld xmlns:a="http://schemas.openxmlformats.org/drawingml/2006/main" xmlns:r="http://schemas.openxmlformats.org/officeDocument/2006/relationships" xmlns:p="http://schemas.openxmlformats.org/presentationml/2006/main">
+  <p:cSld>
+    <p:spTree>
+      <p:nvGrpSpPr>
+        <p:cNvPr id="1" name=""/>
+        <p:cNvGrpSpPr/>
+        <p:nvPr/>
+      </p:nvGrpSpPr>
+      <p:grpSpPr>
+        <a:xfrm>
+          <a:off x="0" y="0"/>
+          <a:ext cx="0" cy="0"/>
+          <a:chOff x="0" y="0"/>
+          <a:chExt cx="0" cy="0"/>
+        </a:xfrm>
+      </p:grpSpPr>
+      <p:sp>
+        <p:nvSpPr>
+          <p:cNvPr id="2" name="Title 1"/>
+          <p:cNvSpPr>
+            <a:spLocks noGrp="1"/>
+          </p:cNvSpPr>
+          <p:nvPr>
+            <p:ph type="title"/>
+          </p:nvPr>
+        </p:nvSpPr>
+        <p:spPr/>
+        <p:txBody>
+          <a:bodyPr/>
+          <a:lstStyle/>
+          <a:p>
+            <a:r>
+              <a:rPr lang="en-US" dirty="0" smtClean="0"/>
               <a:t>References</a:t>
             </a:r>
             <a:endParaRPr lang="en-US" dirty="0"/>
@@ -12126,7 +12721,7 @@
         <p:spPr/>
         <p:txBody>
           <a:bodyPr>
-            <a:normAutofit fontScale="92500" lnSpcReduction="20000"/>
+            <a:normAutofit fontScale="70000" lnSpcReduction="20000"/>
           </a:bodyPr>
           <a:lstStyle/>
           <a:p>
@@ -12222,6 +12817,36 @@
               <a:rPr lang="en-US" dirty="0"/>
               <a:t>Vol. 19, No. 6, pp. 989-999, December 1990 </a:t>
             </a:r>
+            <a:endParaRPr lang="en-US" dirty="0" smtClean="0"/>
+          </a:p>
+          <a:p>
+            <a:r>
+              <a:rPr lang="en-US" dirty="0" smtClean="0"/>
+              <a:t>[5] G. NAVARRO, A </a:t>
+            </a:r>
+            <a:r>
+              <a:rPr lang="en-US" dirty="0"/>
+              <a:t>Guided Tour to Approximate String </a:t>
+            </a:r>
+            <a:r>
+              <a:rPr lang="en-US" dirty="0" smtClean="0"/>
+              <a:t>Matching, </a:t>
+            </a:r>
+            <a:r>
+              <a:rPr lang="en-US" dirty="0"/>
+              <a:t>ACM Computing Surveys (</a:t>
+            </a:r>
+            <a:r>
+              <a:rPr lang="en-US" dirty="0" smtClean="0"/>
+              <a:t>CSUR), Volume </a:t>
+            </a:r>
+            <a:r>
+              <a:rPr lang="en-US" dirty="0"/>
+              <a:t>33 Issue 1, March 2001	</a:t>
+            </a:r>
+          </a:p>
+          <a:p>
+            <a:endParaRPr lang="en-US" dirty="0"/>
           </a:p>
           <a:p>
             <a:endParaRPr lang="en-US" dirty="0"/>
@@ -12278,7 +12903,7 @@
             <a:fld id="{D57F1E4F-1CFF-5643-939E-217C01CDF565}" type="slidenum">
               <a:rPr lang="en-US" smtClean="0"/>
               <a:pPr/>
-              <a:t>26</a:t>
+              <a:t>27</a:t>
             </a:fld>
             <a:endParaRPr lang="en-US" dirty="0"/>
           </a:p>
@@ -12674,7 +13299,11 @@
           <a:p>
             <a:r>
               <a:rPr lang="en-US" dirty="0" smtClean="0"/>
-              <a:t>2.2 Related Work: development of ASM Algorithms</a:t>
+              <a:t>2.2 Related Work: development of ASM </a:t>
+            </a:r>
+            <a:r>
+              <a:rPr lang="en-US" dirty="0" smtClean="0"/>
+              <a:t>Algorithms </a:t>
             </a:r>
             <a:endParaRPr lang="en-US" dirty="0"/>
           </a:p>
@@ -12736,6 +13365,36 @@
           </a:prstGeom>
         </p:spPr>
       </p:pic>
+      <p:sp>
+        <p:nvSpPr>
+          <p:cNvPr id="3" name="TextBox 2"/>
+          <p:cNvSpPr txBox="1"/>
+          <p:nvPr/>
+        </p:nvSpPr>
+        <p:spPr>
+          <a:xfrm>
+            <a:off x="8915400" y="6125623"/>
+            <a:ext cx="442750" cy="369332"/>
+          </a:xfrm>
+          <a:prstGeom prst="rect">
+            <a:avLst/>
+          </a:prstGeom>
+          <a:noFill/>
+        </p:spPr>
+        <p:txBody>
+          <a:bodyPr wrap="none" rtlCol="0">
+            <a:spAutoFit/>
+          </a:bodyPr>
+          <a:lstStyle/>
+          <a:p>
+            <a:r>
+              <a:rPr lang="en-US" dirty="0" smtClean="0"/>
+              <a:t>[5]</a:t>
+            </a:r>
+            <a:endParaRPr lang="en-US" dirty="0"/>
+          </a:p>
+        </p:txBody>
+      </p:sp>
     </p:spTree>
     <p:extLst>
       <p:ext uri="{BB962C8B-B14F-4D97-AF65-F5344CB8AC3E}">
@@ -12783,7 +13442,7 @@
           <a:p>
             <a:r>
               <a:rPr lang="en-US" dirty="0" smtClean="0"/>
-              <a:t>2.1 Chosen Algorithms</a:t>
+              <a:t>K-ASM and GPU</a:t>
             </a:r>
             <a:endParaRPr lang="en-US" dirty="0"/>
           </a:p>
@@ -12801,179 +13460,25 @@
         </p:nvSpPr>
         <p:spPr/>
         <p:txBody>
-          <a:bodyPr>
-            <a:normAutofit fontScale="70000" lnSpcReduction="20000"/>
-          </a:bodyPr>
-          <a:lstStyle/>
-          <a:p>
-            <a:endParaRPr lang="en-US" dirty="0" smtClean="0"/>
-          </a:p>
-          <a:p>
-            <a:pPr marL="400050" indent="-400050">
-              <a:buFont typeface="+mj-lt"/>
-              <a:buAutoNum type="romanUcPeriod"/>
-            </a:pPr>
-            <a:r>
-              <a:rPr lang="en-US" dirty="0" smtClean="0"/>
-              <a:t>O(</a:t>
-            </a:r>
-            <a:r>
-              <a:rPr lang="en-US" dirty="0" err="1" smtClean="0"/>
-              <a:t>mn</a:t>
-            </a:r>
-            <a:r>
-              <a:rPr lang="en-US" dirty="0" smtClean="0"/>
-              <a:t>) Algorithm:</a:t>
-            </a:r>
-            <a:r>
-              <a:rPr lang="en-US" dirty="0"/>
-              <a:t> </a:t>
-            </a:r>
-            <a:r>
-              <a:rPr lang="en-US" dirty="0" smtClean="0"/>
-              <a:t>[1]</a:t>
-            </a:r>
-          </a:p>
-          <a:p>
-            <a:pPr marL="857250" lvl="1" indent="-400050">
-              <a:buFont typeface="+mj-lt"/>
-              <a:buAutoNum type="romanUcPeriod"/>
-            </a:pPr>
-            <a:r>
-              <a:rPr lang="en-US" dirty="0" smtClean="0"/>
-              <a:t>Memory: (m x n) D Matrix</a:t>
-            </a:r>
-          </a:p>
-          <a:p>
-            <a:pPr marL="857250" lvl="1" indent="-400050">
-              <a:buFont typeface="+mj-lt"/>
-              <a:buAutoNum type="romanUcPeriod"/>
-            </a:pPr>
-            <a:r>
-              <a:rPr lang="en-US" dirty="0" smtClean="0"/>
-              <a:t>Easily parallelizable </a:t>
-            </a:r>
-          </a:p>
-          <a:p>
-            <a:pPr marL="400050" indent="-400050">
-              <a:buFont typeface="+mj-lt"/>
-              <a:buAutoNum type="romanUcPeriod"/>
-            </a:pPr>
-            <a:r>
-              <a:rPr lang="en-US" dirty="0" smtClean="0"/>
-              <a:t>Memory efficient O(</a:t>
-            </a:r>
-            <a:r>
-              <a:rPr lang="en-US" dirty="0" err="1" smtClean="0"/>
-              <a:t>mn</a:t>
-            </a:r>
-            <a:r>
-              <a:rPr lang="en-US" dirty="0" smtClean="0"/>
-              <a:t>) Algorithm: [2]</a:t>
-            </a:r>
-          </a:p>
-          <a:p>
-            <a:pPr marL="857250" lvl="1" indent="-400050">
-              <a:buFont typeface="+mj-lt"/>
-              <a:buAutoNum type="romanUcPeriod"/>
-            </a:pPr>
-            <a:r>
-              <a:rPr lang="en-US" dirty="0" smtClean="0"/>
-              <a:t>Paper based on GPU but can be applied to CPU</a:t>
-            </a:r>
-          </a:p>
-          <a:p>
-            <a:pPr marL="857250" lvl="1" indent="-400050">
-              <a:buFont typeface="+mj-lt"/>
-              <a:buAutoNum type="romanUcPeriod"/>
-            </a:pPr>
-            <a:r>
-              <a:rPr lang="en-US" dirty="0" smtClean="0"/>
-              <a:t>Memory: (3 x m) Matrix</a:t>
-            </a:r>
-          </a:p>
-          <a:p>
-            <a:pPr marL="857250" lvl="1" indent="-400050">
-              <a:buFont typeface="+mj-lt"/>
-              <a:buAutoNum type="romanUcPeriod"/>
-            </a:pPr>
-            <a:r>
-              <a:rPr lang="en-US" dirty="0" smtClean="0"/>
-              <a:t>Easily parallelizable</a:t>
-            </a:r>
-          </a:p>
-          <a:p>
-            <a:pPr marL="400050" indent="-400050">
-              <a:buFont typeface="+mj-lt"/>
-              <a:buAutoNum type="romanUcPeriod"/>
-            </a:pPr>
-            <a:r>
-              <a:rPr lang="en-US" dirty="0" smtClean="0"/>
-              <a:t>C-based O(</a:t>
-            </a:r>
-            <a:r>
-              <a:rPr lang="en-US" dirty="0" err="1" smtClean="0"/>
-              <a:t>mn</a:t>
-            </a:r>
-            <a:r>
-              <a:rPr lang="en-US" dirty="0" smtClean="0"/>
-              <a:t>) Algorithm:[3],[4]</a:t>
-            </a:r>
-          </a:p>
-          <a:p>
-            <a:pPr marL="857250" lvl="1" indent="-400050">
-              <a:buFont typeface="+mj-lt"/>
-              <a:buAutoNum type="romanUcPeriod"/>
-            </a:pPr>
-            <a:r>
-              <a:rPr lang="en-US" dirty="0" smtClean="0"/>
-              <a:t>Computes (n-m+2k+3)x(k+2) C matrix </a:t>
-            </a:r>
-          </a:p>
-          <a:p>
-            <a:pPr marL="400050" indent="-400050">
-              <a:buFont typeface="+mj-lt"/>
-              <a:buAutoNum type="romanUcPeriod"/>
-            </a:pPr>
-            <a:r>
-              <a:rPr lang="en-US" i="1" dirty="0" smtClean="0"/>
-              <a:t>O(</a:t>
-            </a:r>
-            <a:r>
-              <a:rPr lang="en-US" i="1" dirty="0" err="1" smtClean="0"/>
-              <a:t>kn</a:t>
-            </a:r>
-            <a:r>
-              <a:rPr lang="en-US" i="1" dirty="0" smtClean="0"/>
-              <a:t>)  </a:t>
-            </a:r>
-            <a:r>
-              <a:rPr lang="en-US" dirty="0" smtClean="0"/>
-              <a:t>Algorithm[4]:</a:t>
-            </a:r>
-          </a:p>
-          <a:p>
-            <a:pPr marL="857250" lvl="1" indent="-400050">
-              <a:buFont typeface="+mj-lt"/>
-              <a:buAutoNum type="romanUcPeriod"/>
-            </a:pPr>
-            <a:r>
-              <a:rPr lang="en-US" dirty="0" smtClean="0"/>
-              <a:t>Improves time complexity of  (III) </a:t>
-            </a:r>
-          </a:p>
-          <a:p>
-            <a:pPr marL="857250" lvl="1" indent="-400050">
-              <a:buFont typeface="+mj-lt"/>
-              <a:buAutoNum type="romanUcPeriod"/>
-            </a:pPr>
-            <a:r>
-              <a:rPr lang="en-US" dirty="0" smtClean="0"/>
-              <a:t>Hard to parallelize (lots of data dependencies)  </a:t>
-            </a:r>
-            <a:endParaRPr lang="en-US" dirty="0"/>
-          </a:p>
-          <a:p>
+          <a:bodyPr/>
+          <a:lstStyle/>
+          <a:p>
+            <a:r>
+              <a:rPr lang="en-US" dirty="0" smtClean="0"/>
+              <a:t>Since most ASM algorithms deal with great amounts of basic operations and with big matrices most of the latest papers about the topic deal with GPU implementations rather than CPU . </a:t>
+            </a:r>
+          </a:p>
+          <a:p>
+            <a:r>
+              <a:rPr lang="en-US" dirty="0" smtClean="0"/>
+              <a:t>The high number of cores present on GPU makes GPU implementations of this kind of problem more efficient</a:t>
+            </a:r>
+          </a:p>
+          <a:p>
+            <a:r>
+              <a:rPr lang="en-US" dirty="0" smtClean="0"/>
+              <a:t>As a consequence most papers published are GPU implementations</a:t>
+            </a:r>
             <a:endParaRPr lang="en-US" dirty="0"/>
           </a:p>
         </p:txBody>
@@ -13005,20 +13510,13 @@
     </p:spTree>
     <p:extLst>
       <p:ext uri="{BB962C8B-B14F-4D97-AF65-F5344CB8AC3E}">
-        <p14:creationId xmlns:p14="http://schemas.microsoft.com/office/powerpoint/2010/main" val="1186601589"/>
+        <p14:creationId xmlns:p14="http://schemas.microsoft.com/office/powerpoint/2010/main" val="1044683139"/>
       </p:ext>
     </p:extLst>
   </p:cSld>
   <p:clrMapOvr>
     <a:masterClrMapping/>
   </p:clrMapOvr>
-  <p:timing>
-    <p:tnLst>
-      <p:par>
-        <p:cTn id="1" dur="indefinite" restart="never" nodeType="tmRoot"/>
-      </p:par>
-    </p:tnLst>
-  </p:timing>
 </p:sld>
 </file>
 
@@ -13056,7 +13554,7 @@
           <a:p>
             <a:r>
               <a:rPr lang="en-US" dirty="0" smtClean="0"/>
-              <a:t>3. What we’ve done so far</a:t>
+              <a:t>2.1 Chosen Algorithms</a:t>
             </a:r>
             <a:endParaRPr lang="en-US" dirty="0"/>
           </a:p>
@@ -13074,100 +13572,180 @@
         </p:nvSpPr>
         <p:spPr/>
         <p:txBody>
-          <a:bodyPr/>
-          <a:lstStyle/>
-          <a:p>
-            <a:pPr marL="342900" lvl="1" indent="-342900">
+          <a:bodyPr>
+            <a:normAutofit fontScale="70000" lnSpcReduction="20000"/>
+          </a:bodyPr>
+          <a:lstStyle/>
+          <a:p>
+            <a:endParaRPr lang="en-US" dirty="0" smtClean="0"/>
+          </a:p>
+          <a:p>
+            <a:pPr marL="400050" indent="-400050">
               <a:buFont typeface="+mj-lt"/>
-              <a:buAutoNum type="arabicPeriod"/>
+              <a:buAutoNum type="romanUcPeriod"/>
             </a:pPr>
             <a:r>
+              <a:rPr lang="en-US" dirty="0" smtClean="0"/>
+              <a:t>O(</a:t>
+            </a:r>
+            <a:r>
+              <a:rPr lang="en-US" dirty="0" err="1" smtClean="0"/>
+              <a:t>mn</a:t>
+            </a:r>
+            <a:r>
+              <a:rPr lang="en-US" dirty="0" smtClean="0"/>
+              <a:t>) Algorithm:</a:t>
+            </a:r>
+            <a:r>
               <a:rPr lang="en-US" dirty="0"/>
-              <a:t>Sequential Algorithms </a:t>
-            </a:r>
-            <a:r>
-              <a:rPr lang="en-US" dirty="0" smtClean="0"/>
-              <a:t>Implementation</a:t>
-            </a:r>
-            <a:br>
-              <a:rPr lang="en-US" dirty="0" smtClean="0"/>
-            </a:br>
-            <a:r>
-              <a:rPr lang="en-US" dirty="0" smtClean="0"/>
-              <a:t>- For all the above-mentioned algorithms we have the working </a:t>
-            </a:r>
-            <a:r>
-              <a:rPr lang="en-US" dirty="0"/>
-              <a:t>sequential version (https://</a:t>
+              <a:t> </a:t>
+            </a:r>
+            <a:r>
+              <a:rPr lang="en-US" dirty="0" smtClean="0"/>
+              <a:t>[1]</a:t>
+            </a:r>
+          </a:p>
+          <a:p>
+            <a:pPr marL="857250" lvl="1" indent="-400050">
+              <a:buFont typeface="+mj-lt"/>
+              <a:buAutoNum type="romanUcPeriod"/>
+            </a:pPr>
+            <a:r>
+              <a:rPr lang="en-US" dirty="0" smtClean="0"/>
+              <a:t>Memory: (m x n) D Matrix</a:t>
+            </a:r>
+          </a:p>
+          <a:p>
+            <a:pPr marL="857250" lvl="1" indent="-400050">
+              <a:buFont typeface="+mj-lt"/>
+              <a:buAutoNum type="romanUcPeriod"/>
+            </a:pPr>
+            <a:r>
+              <a:rPr lang="en-US" dirty="0" smtClean="0"/>
+              <a:t>Easily parallelizable </a:t>
+            </a:r>
+          </a:p>
+          <a:p>
+            <a:pPr marL="400050" indent="-400050">
+              <a:buFont typeface="+mj-lt"/>
+              <a:buAutoNum type="romanUcPeriod"/>
+            </a:pPr>
+            <a:r>
+              <a:rPr lang="en-US" dirty="0" smtClean="0"/>
+              <a:t>Memory efficient O(</a:t>
             </a:r>
             <a:r>
               <a:rPr lang="en-US" dirty="0" err="1" smtClean="0"/>
-              <a:t>github.com</a:t>
-            </a:r>
-            <a:r>
-              <a:rPr lang="en-US" dirty="0" smtClean="0"/>
-              <a:t>/</a:t>
+              <a:t>mn</a:t>
+            </a:r>
+            <a:r>
+              <a:rPr lang="en-US" dirty="0" smtClean="0"/>
+              <a:t>) Algorithm: [2]</a:t>
+            </a:r>
+          </a:p>
+          <a:p>
+            <a:pPr marL="857250" lvl="1" indent="-400050">
+              <a:buFont typeface="+mj-lt"/>
+              <a:buAutoNum type="romanUcPeriod"/>
+            </a:pPr>
+            <a:r>
+              <a:rPr lang="en-US" dirty="0" smtClean="0"/>
+              <a:t>Paper based on GPU but can be applied to CPU</a:t>
+            </a:r>
+          </a:p>
+          <a:p>
+            <a:pPr marL="857250" lvl="1" indent="-400050">
+              <a:buFont typeface="+mj-lt"/>
+              <a:buAutoNum type="romanUcPeriod"/>
+            </a:pPr>
+            <a:r>
+              <a:rPr lang="en-US" dirty="0" smtClean="0"/>
+              <a:t>Memory: (3 x m) Matrix</a:t>
+            </a:r>
+          </a:p>
+          <a:p>
+            <a:pPr marL="857250" lvl="1" indent="-400050">
+              <a:buFont typeface="+mj-lt"/>
+              <a:buAutoNum type="romanUcPeriod"/>
+            </a:pPr>
+            <a:r>
+              <a:rPr lang="en-US" dirty="0" smtClean="0"/>
+              <a:t>Easily parallelizable</a:t>
+            </a:r>
+          </a:p>
+          <a:p>
+            <a:pPr marL="400050" indent="-400050">
+              <a:buFont typeface="+mj-lt"/>
+              <a:buAutoNum type="romanUcPeriod"/>
+            </a:pPr>
+            <a:r>
+              <a:rPr lang="en-US" dirty="0" smtClean="0"/>
+              <a:t>C-based O(</a:t>
             </a:r>
             <a:r>
               <a:rPr lang="en-US" dirty="0" err="1" smtClean="0"/>
-              <a:t>soroa</a:t>
-            </a:r>
-            <a:r>
-              <a:rPr lang="en-US" dirty="0" smtClean="0"/>
-              <a:t>/Parallel-ASM/tree/master/</a:t>
-            </a:r>
-            <a:r>
-              <a:rPr lang="en-US" dirty="0" err="1" smtClean="0"/>
-              <a:t>src</a:t>
-            </a:r>
-            <a:r>
-              <a:rPr lang="en-US" dirty="0" smtClean="0"/>
-              <a:t>/sequential)</a:t>
-            </a:r>
-          </a:p>
-          <a:p>
-            <a:pPr marL="342900" lvl="1" indent="-342900">
+              <a:t>mn</a:t>
+            </a:r>
+            <a:r>
+              <a:rPr lang="en-US" dirty="0" smtClean="0"/>
+              <a:t>) Algorithm:[3],[4]</a:t>
+            </a:r>
+          </a:p>
+          <a:p>
+            <a:pPr marL="857250" lvl="1" indent="-400050">
               <a:buFont typeface="+mj-lt"/>
-              <a:buAutoNum type="arabicPeriod"/>
+              <a:buAutoNum type="romanUcPeriod"/>
             </a:pPr>
             <a:r>
               <a:rPr lang="en-US" dirty="0" smtClean="0"/>
-              <a:t>Performance assessment of sequential algorithms</a:t>
-            </a:r>
-          </a:p>
-          <a:p>
-            <a:pPr marL="342900" lvl="1" indent="-342900">
+              <a:t>Computes (n-m+2k+3)x(k+2) C matrix </a:t>
+            </a:r>
+          </a:p>
+          <a:p>
+            <a:pPr marL="400050" indent="-400050">
               <a:buFont typeface="+mj-lt"/>
-              <a:buAutoNum type="arabicPeriod"/>
+              <a:buAutoNum type="romanUcPeriod"/>
             </a:pPr>
             <a:r>
-              <a:rPr lang="en-US" dirty="0" smtClean="0"/>
-              <a:t>Preliminary </a:t>
-            </a:r>
-            <a:r>
-              <a:rPr lang="en-US" dirty="0"/>
-              <a:t>version of parallel of </a:t>
-            </a:r>
-            <a:r>
-              <a:rPr lang="en-US" dirty="0" smtClean="0"/>
-              <a:t>(I)  </a:t>
-            </a:r>
-            <a:r>
-              <a:rPr lang="en-US" dirty="0"/>
-              <a:t>and </a:t>
-            </a:r>
-            <a:r>
-              <a:rPr lang="en-US" dirty="0" smtClean="0"/>
-              <a:t>(III) </a:t>
-            </a:r>
-            <a:r>
-              <a:rPr lang="en-US" dirty="0"/>
-              <a:t>with </a:t>
-            </a:r>
-            <a:r>
-              <a:rPr lang="en-US" dirty="0" smtClean="0"/>
-              <a:t>multi-threads</a:t>
-            </a:r>
+              <a:rPr lang="en-US" i="1" dirty="0" smtClean="0"/>
+              <a:t>O(</a:t>
+            </a:r>
+            <a:r>
+              <a:rPr lang="en-US" i="1" dirty="0" err="1" smtClean="0"/>
+              <a:t>kn</a:t>
+            </a:r>
+            <a:r>
+              <a:rPr lang="en-US" i="1" dirty="0" smtClean="0"/>
+              <a:t>)  </a:t>
+            </a:r>
+            <a:r>
+              <a:rPr lang="en-US" dirty="0" smtClean="0"/>
+              <a:t>Algorithm[4]:</a:t>
+            </a:r>
+          </a:p>
+          <a:p>
+            <a:pPr marL="857250" lvl="1" indent="-400050">
+              <a:buFont typeface="+mj-lt"/>
+              <a:buAutoNum type="romanUcPeriod"/>
+            </a:pPr>
+            <a:r>
+              <a:rPr lang="en-US" dirty="0" smtClean="0"/>
+              <a:t>Improves time complexity of  (III) </a:t>
+            </a:r>
+          </a:p>
+          <a:p>
+            <a:pPr marL="857250" lvl="1" indent="-400050">
+              <a:buFont typeface="+mj-lt"/>
+              <a:buAutoNum type="romanUcPeriod"/>
+            </a:pPr>
+            <a:r>
+              <a:rPr lang="en-US" dirty="0" smtClean="0"/>
+              <a:t>Hard to parallelize (lots of data dependencies)  </a:t>
+            </a:r>
+            <a:endParaRPr lang="en-US" dirty="0"/>
+          </a:p>
+          <a:p>
+            <a:endParaRPr lang="en-US" dirty="0"/>
           </a:p>
         </p:txBody>
       </p:sp>
@@ -13198,7 +13776,7 @@
     </p:spTree>
     <p:extLst>
       <p:ext uri="{BB962C8B-B14F-4D97-AF65-F5344CB8AC3E}">
-        <p14:creationId xmlns:p14="http://schemas.microsoft.com/office/powerpoint/2010/main" val="607131123"/>
+        <p14:creationId xmlns:p14="http://schemas.microsoft.com/office/powerpoint/2010/main" val="1186601589"/>
       </p:ext>
     </p:extLst>
   </p:cSld>
@@ -13249,6 +13827,199 @@
           <a:p>
             <a:r>
               <a:rPr lang="en-US" dirty="0" smtClean="0"/>
+              <a:t>3. What we’ve done so far</a:t>
+            </a:r>
+            <a:endParaRPr lang="en-US" dirty="0"/>
+          </a:p>
+        </p:txBody>
+      </p:sp>
+      <p:sp>
+        <p:nvSpPr>
+          <p:cNvPr id="3" name="Content Placeholder 2"/>
+          <p:cNvSpPr>
+            <a:spLocks noGrp="1"/>
+          </p:cNvSpPr>
+          <p:nvPr>
+            <p:ph idx="1"/>
+          </p:nvPr>
+        </p:nvSpPr>
+        <p:spPr/>
+        <p:txBody>
+          <a:bodyPr/>
+          <a:lstStyle/>
+          <a:p>
+            <a:pPr marL="342900" lvl="1" indent="-342900">
+              <a:buFont typeface="+mj-lt"/>
+              <a:buAutoNum type="arabicPeriod"/>
+            </a:pPr>
+            <a:r>
+              <a:rPr lang="en-US" dirty="0"/>
+              <a:t>Sequential Algorithms </a:t>
+            </a:r>
+            <a:r>
+              <a:rPr lang="en-US" dirty="0" smtClean="0"/>
+              <a:t>Implementation</a:t>
+            </a:r>
+            <a:br>
+              <a:rPr lang="en-US" dirty="0" smtClean="0"/>
+            </a:br>
+            <a:r>
+              <a:rPr lang="en-US" dirty="0" smtClean="0"/>
+              <a:t>- For all the above-mentioned algorithms we have the working </a:t>
+            </a:r>
+            <a:r>
+              <a:rPr lang="en-US" dirty="0"/>
+              <a:t>sequential version (https://</a:t>
+            </a:r>
+            <a:r>
+              <a:rPr lang="en-US" dirty="0" err="1" smtClean="0"/>
+              <a:t>github.com</a:t>
+            </a:r>
+            <a:r>
+              <a:rPr lang="en-US" dirty="0" smtClean="0"/>
+              <a:t>/</a:t>
+            </a:r>
+            <a:r>
+              <a:rPr lang="en-US" dirty="0" err="1" smtClean="0"/>
+              <a:t>soroa</a:t>
+            </a:r>
+            <a:r>
+              <a:rPr lang="en-US" dirty="0" smtClean="0"/>
+              <a:t>/Parallel-ASM/tree/master/</a:t>
+            </a:r>
+            <a:r>
+              <a:rPr lang="en-US" dirty="0" err="1" smtClean="0"/>
+              <a:t>src</a:t>
+            </a:r>
+            <a:r>
+              <a:rPr lang="en-US" dirty="0" smtClean="0"/>
+              <a:t>/sequential)</a:t>
+            </a:r>
+          </a:p>
+          <a:p>
+            <a:pPr marL="342900" lvl="1" indent="-342900">
+              <a:buFont typeface="+mj-lt"/>
+              <a:buAutoNum type="arabicPeriod"/>
+            </a:pPr>
+            <a:r>
+              <a:rPr lang="en-US" dirty="0" smtClean="0"/>
+              <a:t>Performance assessment of sequential algorithms</a:t>
+            </a:r>
+          </a:p>
+          <a:p>
+            <a:pPr marL="342900" lvl="1" indent="-342900">
+              <a:buFont typeface="+mj-lt"/>
+              <a:buAutoNum type="arabicPeriod"/>
+            </a:pPr>
+            <a:r>
+              <a:rPr lang="en-US" dirty="0" smtClean="0"/>
+              <a:t>Preliminary </a:t>
+            </a:r>
+            <a:r>
+              <a:rPr lang="en-US" dirty="0"/>
+              <a:t>version of parallel of </a:t>
+            </a:r>
+            <a:r>
+              <a:rPr lang="en-US" dirty="0" smtClean="0"/>
+              <a:t>(I)  </a:t>
+            </a:r>
+            <a:r>
+              <a:rPr lang="en-US" dirty="0"/>
+              <a:t>and </a:t>
+            </a:r>
+            <a:r>
+              <a:rPr lang="en-US" dirty="0" smtClean="0"/>
+              <a:t>(III) </a:t>
+            </a:r>
+            <a:r>
+              <a:rPr lang="en-US" dirty="0"/>
+              <a:t>with </a:t>
+            </a:r>
+            <a:r>
+              <a:rPr lang="en-US" dirty="0" smtClean="0"/>
+              <a:t>multi-threads</a:t>
+            </a:r>
+          </a:p>
+        </p:txBody>
+      </p:sp>
+      <p:sp>
+        <p:nvSpPr>
+          <p:cNvPr id="4" name="Slide Number Placeholder 3"/>
+          <p:cNvSpPr>
+            <a:spLocks noGrp="1"/>
+          </p:cNvSpPr>
+          <p:nvPr>
+            <p:ph type="sldNum" sz="quarter" idx="12"/>
+          </p:nvPr>
+        </p:nvSpPr>
+        <p:spPr/>
+        <p:txBody>
+          <a:bodyPr/>
+          <a:lstStyle/>
+          <a:p>
+            <a:fld id="{D57F1E4F-1CFF-5643-939E-217C01CDF565}" type="slidenum">
+              <a:rPr lang="en-US" smtClean="0"/>
+              <a:pPr/>
+              <a:t>8</a:t>
+            </a:fld>
+            <a:endParaRPr lang="en-US" dirty="0"/>
+          </a:p>
+        </p:txBody>
+      </p:sp>
+    </p:spTree>
+    <p:extLst>
+      <p:ext uri="{BB962C8B-B14F-4D97-AF65-F5344CB8AC3E}">
+        <p14:creationId xmlns:p14="http://schemas.microsoft.com/office/powerpoint/2010/main" val="607131123"/>
+      </p:ext>
+    </p:extLst>
+  </p:cSld>
+  <p:clrMapOvr>
+    <a:masterClrMapping/>
+  </p:clrMapOvr>
+  <p:timing>
+    <p:tnLst>
+      <p:par>
+        <p:cTn id="1" dur="indefinite" restart="never" nodeType="tmRoot"/>
+      </p:par>
+    </p:tnLst>
+  </p:timing>
+</p:sld>
+</file>
+
+<file path=ppt/slides/slide9.xml><?xml version="1.0" encoding="utf-8"?>
+<p:sld xmlns:a="http://schemas.openxmlformats.org/drawingml/2006/main" xmlns:r="http://schemas.openxmlformats.org/officeDocument/2006/relationships" xmlns:p="http://schemas.openxmlformats.org/presentationml/2006/main">
+  <p:cSld>
+    <p:spTree>
+      <p:nvGrpSpPr>
+        <p:cNvPr id="1" name=""/>
+        <p:cNvGrpSpPr/>
+        <p:nvPr/>
+      </p:nvGrpSpPr>
+      <p:grpSpPr>
+        <a:xfrm>
+          <a:off x="0" y="0"/>
+          <a:ext cx="0" cy="0"/>
+          <a:chOff x="0" y="0"/>
+          <a:chExt cx="0" cy="0"/>
+        </a:xfrm>
+      </p:grpSpPr>
+      <p:sp>
+        <p:nvSpPr>
+          <p:cNvPr id="2" name="Title 1"/>
+          <p:cNvSpPr>
+            <a:spLocks noGrp="1"/>
+          </p:cNvSpPr>
+          <p:nvPr>
+            <p:ph type="title"/>
+          </p:nvPr>
+        </p:nvSpPr>
+        <p:spPr/>
+        <p:txBody>
+          <a:bodyPr/>
+          <a:lstStyle/>
+          <a:p>
+            <a:r>
+              <a:rPr lang="en-US" dirty="0" smtClean="0"/>
               <a:t>(</a:t>
             </a:r>
             <a:r>
@@ -13310,7 +14081,7 @@
             <a:fld id="{D57F1E4F-1CFF-5643-939E-217C01CDF565}" type="slidenum">
               <a:rPr lang="en-US" smtClean="0"/>
               <a:pPr/>
-              <a:t>8</a:t>
+              <a:t>9</a:t>
             </a:fld>
             <a:endParaRPr lang="en-US" dirty="0"/>
           </a:p>
@@ -14061,600 +14832,6 @@
     <p:extLst>
       <p:ext uri="{BB962C8B-B14F-4D97-AF65-F5344CB8AC3E}">
         <p14:creationId xmlns:p14="http://schemas.microsoft.com/office/powerpoint/2010/main" val="1027661056"/>
-      </p:ext>
-    </p:extLst>
-  </p:cSld>
-  <p:clrMapOvr>
-    <a:masterClrMapping/>
-  </p:clrMapOvr>
-</p:sld>
-</file>
-
-<file path=ppt/slides/slide9.xml><?xml version="1.0" encoding="utf-8"?>
-<p:sld xmlns:a="http://schemas.openxmlformats.org/drawingml/2006/main" xmlns:r="http://schemas.openxmlformats.org/officeDocument/2006/relationships" xmlns:p="http://schemas.openxmlformats.org/presentationml/2006/main">
-  <p:cSld>
-    <p:spTree>
-      <p:nvGrpSpPr>
-        <p:cNvPr id="1" name=""/>
-        <p:cNvGrpSpPr/>
-        <p:nvPr/>
-      </p:nvGrpSpPr>
-      <p:grpSpPr>
-        <a:xfrm>
-          <a:off x="0" y="0"/>
-          <a:ext cx="0" cy="0"/>
-          <a:chOff x="0" y="0"/>
-          <a:chExt cx="0" cy="0"/>
-        </a:xfrm>
-      </p:grpSpPr>
-      <p:sp>
-        <p:nvSpPr>
-          <p:cNvPr id="2" name="Title 1"/>
-          <p:cNvSpPr>
-            <a:spLocks noGrp="1"/>
-          </p:cNvSpPr>
-          <p:nvPr>
-            <p:ph type="title"/>
-          </p:nvPr>
-        </p:nvSpPr>
-        <p:spPr/>
-        <p:txBody>
-          <a:bodyPr/>
-          <a:lstStyle/>
-          <a:p>
-            <a:r>
-              <a:rPr lang="en-US" dirty="0" smtClean="0"/>
-              <a:t>(</a:t>
-            </a:r>
-            <a:r>
-              <a:rPr lang="en-US" dirty="0" err="1" smtClean="0"/>
-              <a:t>i</a:t>
-            </a:r>
-            <a:r>
-              <a:rPr lang="en-US" dirty="0" smtClean="0"/>
-              <a:t>) O(MN) Algorithm: D matrix</a:t>
-            </a:r>
-            <a:endParaRPr lang="en-US" dirty="0"/>
-          </a:p>
-        </p:txBody>
-      </p:sp>
-      <p:pic>
-        <p:nvPicPr>
-          <p:cNvPr id="6" name="Content Placeholder 5"/>
-          <p:cNvPicPr>
-            <a:picLocks noGrp="1" noChangeAspect="1"/>
-          </p:cNvPicPr>
-          <p:nvPr>
-            <p:ph idx="1"/>
-          </p:nvPr>
-        </p:nvPicPr>
-        <p:blipFill>
-          <a:blip r:embed="rId2">
-            <a:extLst>
-              <a:ext uri="{28A0092B-C50C-407E-A947-70E740481C1C}">
-                <a14:useLocalDpi xmlns:a14="http://schemas.microsoft.com/office/drawing/2010/main" val="0"/>
-              </a:ext>
-            </a:extLst>
-          </a:blip>
-          <a:stretch>
-            <a:fillRect/>
-          </a:stretch>
-        </p:blipFill>
-        <p:spPr>
-          <a:xfrm>
-            <a:off x="4715362" y="2643513"/>
-            <a:ext cx="4767263" cy="2649416"/>
-          </a:xfrm>
-        </p:spPr>
-      </p:pic>
-      <p:sp>
-        <p:nvSpPr>
-          <p:cNvPr id="4" name="Slide Number Placeholder 3"/>
-          <p:cNvSpPr>
-            <a:spLocks noGrp="1"/>
-          </p:cNvSpPr>
-          <p:nvPr>
-            <p:ph type="sldNum" sz="quarter" idx="12"/>
-          </p:nvPr>
-        </p:nvSpPr>
-        <p:spPr/>
-        <p:txBody>
-          <a:bodyPr/>
-          <a:lstStyle/>
-          <a:p>
-            <a:fld id="{D57F1E4F-1CFF-5643-939E-217C01CDF565}" type="slidenum">
-              <a:rPr lang="en-US" smtClean="0"/>
-              <a:pPr/>
-              <a:t>9</a:t>
-            </a:fld>
-            <a:endParaRPr lang="en-US" dirty="0"/>
-          </a:p>
-        </p:txBody>
-      </p:sp>
-      <mc:AlternateContent xmlns:mc="http://schemas.openxmlformats.org/markup-compatibility/2006" xmlns:a14="http://schemas.microsoft.com/office/drawing/2010/main">
-        <mc:Choice Requires="a14">
-          <p:sp>
-            <p:nvSpPr>
-              <p:cNvPr id="7" name="TextBox 6"/>
-              <p:cNvSpPr txBox="1"/>
-              <p:nvPr/>
-            </p:nvSpPr>
-            <p:spPr>
-              <a:xfrm>
-                <a:off x="685801" y="2510443"/>
-                <a:ext cx="3657600" cy="916982"/>
-              </a:xfrm>
-              <a:prstGeom prst="rect">
-                <a:avLst/>
-              </a:prstGeom>
-              <a:noFill/>
-            </p:spPr>
-            <p:txBody>
-              <a:bodyPr wrap="square" rtlCol="0">
-                <a:spAutoFit/>
-              </a:bodyPr>
-              <a:lstStyle/>
-              <a:p>
-                <a:pPr marL="285750" indent="-285750">
-                  <a:buFont typeface="Arial" charset="0"/>
-                  <a:buChar char="•"/>
-                </a:pPr>
-                <a14:m>
-                  <m:oMath xmlns:m="http://schemas.openxmlformats.org/officeDocument/2006/math">
-                    <m:r>
-                      <a:rPr lang="en-US" i="1" smtClean="0">
-                        <a:latin typeface="Cambria Math" charset="0"/>
-                      </a:rPr>
-                      <m:t>∀</m:t>
-                    </m:r>
-                    <m:r>
-                      <a:rPr lang="en-US" b="0" i="1" smtClean="0">
-                        <a:latin typeface="Cambria Math" charset="0"/>
-                      </a:rPr>
-                      <m:t>𝑗</m:t>
-                    </m:r>
-                    <m:r>
-                      <a:rPr lang="en-US" b="0" i="1" smtClean="0">
-                        <a:latin typeface="Cambria Math" charset="0"/>
-                      </a:rPr>
-                      <m:t>:0≤</m:t>
-                    </m:r>
-                    <m:r>
-                      <a:rPr lang="en-US" i="1">
-                        <a:latin typeface="Cambria Math" charset="0"/>
-                      </a:rPr>
-                      <m:t>𝑗</m:t>
-                    </m:r>
-                    <m:r>
-                      <a:rPr lang="en-US" i="1">
-                        <a:latin typeface="Cambria Math" charset="0"/>
-                      </a:rPr>
-                      <m:t>≤</m:t>
-                    </m:r>
-                    <m:r>
-                      <a:rPr lang="en-US" i="1">
-                        <a:latin typeface="Cambria Math" charset="0"/>
-                      </a:rPr>
-                      <m:t>𝑛</m:t>
-                    </m:r>
-                    <m:r>
-                      <a:rPr lang="en-US" b="0" i="1" smtClean="0">
-                        <a:latin typeface="Cambria Math" charset="0"/>
-                      </a:rPr>
-                      <m:t>,  </m:t>
-                    </m:r>
-                    <m:r>
-                      <a:rPr lang="en-US" b="0" i="1" smtClean="0">
-                        <a:latin typeface="Cambria Math" charset="0"/>
-                      </a:rPr>
-                      <m:t>𝑖𝑓</m:t>
-                    </m:r>
-                    <m:r>
-                      <a:rPr lang="en-US" b="0" i="1" smtClean="0">
-                        <a:latin typeface="Cambria Math" charset="0"/>
-                      </a:rPr>
-                      <m:t>(</m:t>
-                    </m:r>
-                    <m:r>
-                      <a:rPr lang="en-US" b="0" i="1" smtClean="0">
-                        <a:latin typeface="Cambria Math" charset="0"/>
-                      </a:rPr>
-                      <m:t>𝐷</m:t>
-                    </m:r>
-                    <m:d>
-                      <m:dPr>
-                        <m:ctrlPr>
-                          <a:rPr lang="en-US" b="0" i="1" smtClean="0">
-                            <a:latin typeface="Cambria Math" charset="0"/>
-                          </a:rPr>
-                        </m:ctrlPr>
-                      </m:dPr>
-                      <m:e>
-                        <m:r>
-                          <a:rPr lang="en-US" b="0" i="1" smtClean="0">
-                            <a:latin typeface="Cambria Math" charset="0"/>
-                          </a:rPr>
-                          <m:t>𝑚</m:t>
-                        </m:r>
-                        <m:r>
-                          <a:rPr lang="en-US" b="0" i="1" smtClean="0">
-                            <a:latin typeface="Cambria Math" charset="0"/>
-                          </a:rPr>
-                          <m:t>, </m:t>
-                        </m:r>
-                        <m:r>
-                          <a:rPr lang="en-US" b="0" i="1" smtClean="0">
-                            <a:latin typeface="Cambria Math" charset="0"/>
-                          </a:rPr>
-                          <m:t>𝑗</m:t>
-                        </m:r>
-                      </m:e>
-                    </m:d>
-                    <m:r>
-                      <a:rPr lang="en-US" b="0" i="1" smtClean="0">
-                        <a:latin typeface="Cambria Math" charset="0"/>
-                      </a:rPr>
-                      <m:t>≤</m:t>
-                    </m:r>
-                    <m:r>
-                      <a:rPr lang="en-US" b="0" i="1" smtClean="0">
-                        <a:latin typeface="Cambria Math" charset="0"/>
-                      </a:rPr>
-                      <m:t>𝑘</m:t>
-                    </m:r>
-                    <m:r>
-                      <a:rPr lang="en-US" b="0" i="1" smtClean="0">
-                        <a:latin typeface="Cambria Math" charset="0"/>
-                      </a:rPr>
-                      <m:t>  </m:t>
-                    </m:r>
-                  </m:oMath>
-                </a14:m>
-                <a:r>
-                  <a:rPr lang="en-US" dirty="0" smtClean="0"/>
-                  <a:t>the text contains a k-match with the pattern.  </a:t>
-                </a:r>
-                <a:endParaRPr lang="en-US" dirty="0"/>
-              </a:p>
-            </p:txBody>
-          </p:sp>
-        </mc:Choice>
-        <mc:Fallback xmlns="">
-          <p:sp>
-            <p:nvSpPr>
-              <p:cNvPr id="7" name="TextBox 6"/>
-              <p:cNvSpPr txBox="1">
-                <a:spLocks noRot="1" noChangeAspect="1" noMove="1" noResize="1" noEditPoints="1" noAdjustHandles="1" noChangeArrowheads="1" noChangeShapeType="1" noTextEdit="1"/>
-              </p:cNvSpPr>
-              <p:nvPr/>
-            </p:nvSpPr>
-            <p:spPr>
-              <a:xfrm>
-                <a:off x="685801" y="2510443"/>
-                <a:ext cx="3657600" cy="916982"/>
-              </a:xfrm>
-              <a:prstGeom prst="rect">
-                <a:avLst/>
-              </a:prstGeom>
-              <a:blipFill rotWithShape="0">
-                <a:blip r:embed="rId3"/>
-                <a:stretch>
-                  <a:fillRect l="-1167" t="-10000" b="-18667"/>
-                </a:stretch>
-              </a:blipFill>
-            </p:spPr>
-            <p:txBody>
-              <a:bodyPr/>
-              <a:lstStyle/>
-              <a:p>
-                <a:r>
-                  <a:rPr lang="en-US">
-                    <a:noFill/>
-                  </a:rPr>
-                  <a:t> </a:t>
-                </a:r>
-              </a:p>
-            </p:txBody>
-          </p:sp>
-        </mc:Fallback>
-      </mc:AlternateContent>
-      <p:sp>
-        <p:nvSpPr>
-          <p:cNvPr id="3" name="TextBox 2"/>
-          <p:cNvSpPr txBox="1"/>
-          <p:nvPr/>
-        </p:nvSpPr>
-        <p:spPr>
-          <a:xfrm>
-            <a:off x="6881247" y="5703376"/>
-            <a:ext cx="643125" cy="369332"/>
-          </a:xfrm>
-          <a:prstGeom prst="rect">
-            <a:avLst/>
-          </a:prstGeom>
-          <a:noFill/>
-        </p:spPr>
-        <p:txBody>
-          <a:bodyPr wrap="none" rtlCol="0">
-            <a:spAutoFit/>
-          </a:bodyPr>
-          <a:lstStyle/>
-          <a:p>
-            <a:r>
-              <a:rPr lang="en-US" dirty="0" smtClean="0">
-                <a:solidFill>
-                  <a:srgbClr val="92D050"/>
-                </a:solidFill>
-              </a:rPr>
-              <a:t>K = 2</a:t>
-            </a:r>
-            <a:endParaRPr lang="en-US" dirty="0">
-              <a:solidFill>
-                <a:srgbClr val="92D050"/>
-              </a:solidFill>
-            </a:endParaRPr>
-          </a:p>
-        </p:txBody>
-      </p:sp>
-      <p:sp>
-        <p:nvSpPr>
-          <p:cNvPr id="5" name="Donut 4"/>
-          <p:cNvSpPr/>
-          <p:nvPr/>
-        </p:nvSpPr>
-        <p:spPr>
-          <a:xfrm>
-            <a:off x="7214406" y="4819972"/>
-            <a:ext cx="309966" cy="302217"/>
-          </a:xfrm>
-          <a:prstGeom prst="donut">
-            <a:avLst>
-              <a:gd name="adj" fmla="val 2302"/>
-            </a:avLst>
-          </a:prstGeom>
-          <a:ln>
-            <a:solidFill>
-              <a:srgbClr val="92D050"/>
-            </a:solidFill>
-          </a:ln>
-        </p:spPr>
-        <p:style>
-          <a:lnRef idx="2">
-            <a:schemeClr val="accent1">
-              <a:shade val="50000"/>
-            </a:schemeClr>
-          </a:lnRef>
-          <a:fillRef idx="1">
-            <a:schemeClr val="accent1"/>
-          </a:fillRef>
-          <a:effectRef idx="0">
-            <a:schemeClr val="accent1"/>
-          </a:effectRef>
-          <a:fontRef idx="minor">
-            <a:schemeClr val="lt1"/>
-          </a:fontRef>
-        </p:style>
-        <p:txBody>
-          <a:bodyPr rtlCol="0" anchor="ctr"/>
-          <a:lstStyle/>
-          <a:p>
-            <a:pPr algn="ctr"/>
-            <a:endParaRPr lang="en-US">
-              <a:solidFill>
-                <a:schemeClr val="tx1"/>
-              </a:solidFill>
-            </a:endParaRPr>
-          </a:p>
-        </p:txBody>
-      </p:sp>
-      <p:sp>
-        <p:nvSpPr>
-          <p:cNvPr id="18" name="Donut 17"/>
-          <p:cNvSpPr/>
-          <p:nvPr/>
-        </p:nvSpPr>
-        <p:spPr>
-          <a:xfrm>
-            <a:off x="6881247" y="4819972"/>
-            <a:ext cx="309966" cy="302217"/>
-          </a:xfrm>
-          <a:prstGeom prst="donut">
-            <a:avLst>
-              <a:gd name="adj" fmla="val 2302"/>
-            </a:avLst>
-          </a:prstGeom>
-          <a:ln>
-            <a:solidFill>
-              <a:srgbClr val="92D050"/>
-            </a:solidFill>
-          </a:ln>
-        </p:spPr>
-        <p:style>
-          <a:lnRef idx="2">
-            <a:schemeClr val="accent1">
-              <a:shade val="50000"/>
-            </a:schemeClr>
-          </a:lnRef>
-          <a:fillRef idx="1">
-            <a:schemeClr val="accent1"/>
-          </a:fillRef>
-          <a:effectRef idx="0">
-            <a:schemeClr val="accent1"/>
-          </a:effectRef>
-          <a:fontRef idx="minor">
-            <a:schemeClr val="lt1"/>
-          </a:fontRef>
-        </p:style>
-        <p:txBody>
-          <a:bodyPr rtlCol="0" anchor="ctr"/>
-          <a:lstStyle/>
-          <a:p>
-            <a:pPr algn="ctr"/>
-            <a:endParaRPr lang="en-US">
-              <a:solidFill>
-                <a:schemeClr val="tx1"/>
-              </a:solidFill>
-            </a:endParaRPr>
-          </a:p>
-        </p:txBody>
-      </p:sp>
-      <p:sp>
-        <p:nvSpPr>
-          <p:cNvPr id="19" name="Donut 18"/>
-          <p:cNvSpPr/>
-          <p:nvPr/>
-        </p:nvSpPr>
-        <p:spPr>
-          <a:xfrm>
-            <a:off x="8257959" y="4816096"/>
-            <a:ext cx="309966" cy="302217"/>
-          </a:xfrm>
-          <a:prstGeom prst="donut">
-            <a:avLst>
-              <a:gd name="adj" fmla="val 2302"/>
-            </a:avLst>
-          </a:prstGeom>
-          <a:ln>
-            <a:solidFill>
-              <a:srgbClr val="92D050"/>
-            </a:solidFill>
-          </a:ln>
-        </p:spPr>
-        <p:style>
-          <a:lnRef idx="2">
-            <a:schemeClr val="accent1">
-              <a:shade val="50000"/>
-            </a:schemeClr>
-          </a:lnRef>
-          <a:fillRef idx="1">
-            <a:schemeClr val="accent1"/>
-          </a:fillRef>
-          <a:effectRef idx="0">
-            <a:schemeClr val="accent1"/>
-          </a:effectRef>
-          <a:fontRef idx="minor">
-            <a:schemeClr val="lt1"/>
-          </a:fontRef>
-        </p:style>
-        <p:txBody>
-          <a:bodyPr rtlCol="0" anchor="ctr"/>
-          <a:lstStyle/>
-          <a:p>
-            <a:pPr algn="ctr"/>
-            <a:endParaRPr lang="en-US">
-              <a:solidFill>
-                <a:schemeClr val="tx1"/>
-              </a:solidFill>
-            </a:endParaRPr>
-          </a:p>
-        </p:txBody>
-      </p:sp>
-      <p:sp>
-        <p:nvSpPr>
-          <p:cNvPr id="20" name="Donut 19"/>
-          <p:cNvSpPr/>
-          <p:nvPr/>
-        </p:nvSpPr>
-        <p:spPr>
-          <a:xfrm>
-            <a:off x="8591118" y="4816095"/>
-            <a:ext cx="309966" cy="302217"/>
-          </a:xfrm>
-          <a:prstGeom prst="donut">
-            <a:avLst>
-              <a:gd name="adj" fmla="val 2302"/>
-            </a:avLst>
-          </a:prstGeom>
-          <a:ln>
-            <a:solidFill>
-              <a:srgbClr val="92D050"/>
-            </a:solidFill>
-          </a:ln>
-        </p:spPr>
-        <p:style>
-          <a:lnRef idx="2">
-            <a:schemeClr val="accent1">
-              <a:shade val="50000"/>
-            </a:schemeClr>
-          </a:lnRef>
-          <a:fillRef idx="1">
-            <a:schemeClr val="accent1"/>
-          </a:fillRef>
-          <a:effectRef idx="0">
-            <a:schemeClr val="accent1"/>
-          </a:effectRef>
-          <a:fontRef idx="minor">
-            <a:schemeClr val="lt1"/>
-          </a:fontRef>
-        </p:style>
-        <p:txBody>
-          <a:bodyPr rtlCol="0" anchor="ctr"/>
-          <a:lstStyle/>
-          <a:p>
-            <a:pPr algn="ctr"/>
-            <a:endParaRPr lang="en-US">
-              <a:solidFill>
-                <a:schemeClr val="tx1"/>
-              </a:solidFill>
-            </a:endParaRPr>
-          </a:p>
-        </p:txBody>
-      </p:sp>
-      <p:sp>
-        <p:nvSpPr>
-          <p:cNvPr id="21" name="Donut 20"/>
-          <p:cNvSpPr/>
-          <p:nvPr/>
-        </p:nvSpPr>
-        <p:spPr>
-          <a:xfrm>
-            <a:off x="8924277" y="4816095"/>
-            <a:ext cx="309966" cy="302217"/>
-          </a:xfrm>
-          <a:prstGeom prst="donut">
-            <a:avLst>
-              <a:gd name="adj" fmla="val 2302"/>
-            </a:avLst>
-          </a:prstGeom>
-          <a:ln>
-            <a:solidFill>
-              <a:srgbClr val="92D050"/>
-            </a:solidFill>
-          </a:ln>
-        </p:spPr>
-        <p:style>
-          <a:lnRef idx="2">
-            <a:schemeClr val="accent1">
-              <a:shade val="50000"/>
-            </a:schemeClr>
-          </a:lnRef>
-          <a:fillRef idx="1">
-            <a:schemeClr val="accent1"/>
-          </a:fillRef>
-          <a:effectRef idx="0">
-            <a:schemeClr val="accent1"/>
-          </a:effectRef>
-          <a:fontRef idx="minor">
-            <a:schemeClr val="lt1"/>
-          </a:fontRef>
-        </p:style>
-        <p:txBody>
-          <a:bodyPr rtlCol="0" anchor="ctr"/>
-          <a:lstStyle/>
-          <a:p>
-            <a:pPr algn="ctr"/>
-            <a:endParaRPr lang="en-US">
-              <a:solidFill>
-                <a:schemeClr val="tx1"/>
-              </a:solidFill>
-            </a:endParaRPr>
-          </a:p>
-        </p:txBody>
-      </p:sp>
-    </p:spTree>
-    <p:extLst>
-      <p:ext uri="{BB962C8B-B14F-4D97-AF65-F5344CB8AC3E}">
-        <p14:creationId xmlns:p14="http://schemas.microsoft.com/office/powerpoint/2010/main" val="746905825"/>
       </p:ext>
     </p:extLst>
   </p:cSld>
